--- a/Predstavitev_skupina_8.pptx
+++ b/Predstavitev_skupina_8.pptx
@@ -481,7 +481,7 @@
           </a:lstStyle>
           <a:p>
             <a:r>
-              <a:rPr lang="sl-SI" smtClean="0"/>
+              <a:rPr lang="sl-SI"/>
               <a:t>Uredite slog naslova matrice</a:t>
             </a:r>
             <a:endParaRPr lang="en-US" dirty="0"/>
@@ -557,7 +557,7 @@
           </a:lstStyle>
           <a:p>
             <a:r>
-              <a:rPr lang="sl-SI" smtClean="0"/>
+              <a:rPr lang="sl-SI"/>
               <a:t>Kliknite, da uredite slog podnaslova matrice</a:t>
             </a:r>
             <a:endParaRPr lang="en-US" dirty="0"/>
@@ -595,7 +595,7 @@
           <a:p>
             <a:fld id="{5B7A9F00-252E-4934-8989-361D36C351BE}" type="datetimeFigureOut">
               <a:rPr lang="sl-SI" smtClean="0"/>
-              <a:t>23. 05. 2020</a:t>
+              <a:t>25. 05. 2020</a:t>
             </a:fld>
             <a:endParaRPr lang="sl-SI"/>
           </a:p>
@@ -721,7 +721,7 @@
           <a:lstStyle/>
           <a:p>
             <a:r>
-              <a:rPr lang="sl-SI" smtClean="0"/>
+              <a:rPr lang="sl-SI"/>
               <a:t>Uredite slog naslova matrice</a:t>
             </a:r>
             <a:endParaRPr lang="en-US" dirty="0"/>
@@ -745,35 +745,35 @@
           <a:p>
             <a:pPr lvl="0"/>
             <a:r>
-              <a:rPr lang="sl-SI" smtClean="0"/>
+              <a:rPr lang="sl-SI"/>
               <a:t>Uredite sloge besedila matrice</a:t>
             </a:r>
           </a:p>
           <a:p>
             <a:pPr lvl="1"/>
             <a:r>
-              <a:rPr lang="sl-SI" smtClean="0"/>
+              <a:rPr lang="sl-SI"/>
               <a:t>Druga raven</a:t>
             </a:r>
           </a:p>
           <a:p>
             <a:pPr lvl="2"/>
             <a:r>
-              <a:rPr lang="sl-SI" smtClean="0"/>
+              <a:rPr lang="sl-SI"/>
               <a:t>Tretja raven</a:t>
             </a:r>
           </a:p>
           <a:p>
             <a:pPr lvl="3"/>
             <a:r>
-              <a:rPr lang="sl-SI" smtClean="0"/>
+              <a:rPr lang="sl-SI"/>
               <a:t>Četrta raven</a:t>
             </a:r>
           </a:p>
           <a:p>
             <a:pPr lvl="4"/>
             <a:r>
-              <a:rPr lang="sl-SI" smtClean="0"/>
+              <a:rPr lang="sl-SI"/>
               <a:t>Peta raven</a:t>
             </a:r>
             <a:endParaRPr lang="en-US" dirty="0"/>
@@ -797,7 +797,7 @@
           <a:p>
             <a:fld id="{5B7A9F00-252E-4934-8989-361D36C351BE}" type="datetimeFigureOut">
               <a:rPr lang="sl-SI" smtClean="0"/>
-              <a:t>23. 05. 2020</a:t>
+              <a:t>25. 05. 2020</a:t>
             </a:fld>
             <a:endParaRPr lang="sl-SI"/>
           </a:p>
@@ -896,7 +896,7 @@
           <a:lstStyle/>
           <a:p>
             <a:r>
-              <a:rPr lang="sl-SI" smtClean="0"/>
+              <a:rPr lang="sl-SI"/>
               <a:t>Uredite slog naslova matrice</a:t>
             </a:r>
             <a:endParaRPr lang="en-US" dirty="0"/>
@@ -925,35 +925,35 @@
           <a:p>
             <a:pPr lvl="0"/>
             <a:r>
-              <a:rPr lang="sl-SI" smtClean="0"/>
+              <a:rPr lang="sl-SI"/>
               <a:t>Uredite sloge besedila matrice</a:t>
             </a:r>
           </a:p>
           <a:p>
             <a:pPr lvl="1"/>
             <a:r>
-              <a:rPr lang="sl-SI" smtClean="0"/>
+              <a:rPr lang="sl-SI"/>
               <a:t>Druga raven</a:t>
             </a:r>
           </a:p>
           <a:p>
             <a:pPr lvl="2"/>
             <a:r>
-              <a:rPr lang="sl-SI" smtClean="0"/>
+              <a:rPr lang="sl-SI"/>
               <a:t>Tretja raven</a:t>
             </a:r>
           </a:p>
           <a:p>
             <a:pPr lvl="3"/>
             <a:r>
-              <a:rPr lang="sl-SI" smtClean="0"/>
+              <a:rPr lang="sl-SI"/>
               <a:t>Četrta raven</a:t>
             </a:r>
           </a:p>
           <a:p>
             <a:pPr lvl="4"/>
             <a:r>
-              <a:rPr lang="sl-SI" smtClean="0"/>
+              <a:rPr lang="sl-SI"/>
               <a:t>Peta raven</a:t>
             </a:r>
             <a:endParaRPr lang="en-US" dirty="0"/>
@@ -977,7 +977,7 @@
           <a:p>
             <a:fld id="{5B7A9F00-252E-4934-8989-361D36C351BE}" type="datetimeFigureOut">
               <a:rPr lang="sl-SI" smtClean="0"/>
-              <a:t>23. 05. 2020</a:t>
+              <a:t>25. 05. 2020</a:t>
             </a:fld>
             <a:endParaRPr lang="sl-SI"/>
           </a:p>
@@ -1071,7 +1071,7 @@
           <a:lstStyle/>
           <a:p>
             <a:r>
-              <a:rPr lang="sl-SI" smtClean="0"/>
+              <a:rPr lang="sl-SI"/>
               <a:t>Uredite slog naslova matrice</a:t>
             </a:r>
             <a:endParaRPr lang="en-US" dirty="0"/>
@@ -1095,35 +1095,35 @@
           <a:p>
             <a:pPr lvl="0"/>
             <a:r>
-              <a:rPr lang="sl-SI" smtClean="0"/>
+              <a:rPr lang="sl-SI"/>
               <a:t>Uredite sloge besedila matrice</a:t>
             </a:r>
           </a:p>
           <a:p>
             <a:pPr lvl="1"/>
             <a:r>
-              <a:rPr lang="sl-SI" smtClean="0"/>
+              <a:rPr lang="sl-SI"/>
               <a:t>Druga raven</a:t>
             </a:r>
           </a:p>
           <a:p>
             <a:pPr lvl="2"/>
             <a:r>
-              <a:rPr lang="sl-SI" smtClean="0"/>
+              <a:rPr lang="sl-SI"/>
               <a:t>Tretja raven</a:t>
             </a:r>
           </a:p>
           <a:p>
             <a:pPr lvl="3"/>
             <a:r>
-              <a:rPr lang="sl-SI" smtClean="0"/>
+              <a:rPr lang="sl-SI"/>
               <a:t>Četrta raven</a:t>
             </a:r>
           </a:p>
           <a:p>
             <a:pPr lvl="4"/>
             <a:r>
-              <a:rPr lang="sl-SI" smtClean="0"/>
+              <a:rPr lang="sl-SI"/>
               <a:t>Peta raven</a:t>
             </a:r>
             <a:endParaRPr lang="en-US" dirty="0"/>
@@ -1147,7 +1147,7 @@
           <a:p>
             <a:fld id="{5B7A9F00-252E-4934-8989-361D36C351BE}" type="datetimeFigureOut">
               <a:rPr lang="sl-SI" smtClean="0"/>
-              <a:t>23. 05. 2020</a:t>
+              <a:t>25. 05. 2020</a:t>
             </a:fld>
             <a:endParaRPr lang="sl-SI"/>
           </a:p>
@@ -1564,7 +1564,7 @@
           </a:lstStyle>
           <a:p>
             <a:r>
-              <a:rPr lang="sl-SI" smtClean="0"/>
+              <a:rPr lang="sl-SI"/>
               <a:t>Uredite slog naslova matrice</a:t>
             </a:r>
             <a:endParaRPr lang="en-US" dirty="0"/>
@@ -1688,7 +1688,7 @@
           <a:p>
             <a:pPr lvl="0"/>
             <a:r>
-              <a:rPr lang="sl-SI" smtClean="0"/>
+              <a:rPr lang="sl-SI"/>
               <a:t>Uredite sloge besedila matrice</a:t>
             </a:r>
           </a:p>
@@ -1727,7 +1727,7 @@
           <a:p>
             <a:fld id="{5B7A9F00-252E-4934-8989-361D36C351BE}" type="datetimeFigureOut">
               <a:rPr lang="sl-SI" smtClean="0"/>
-              <a:t>23. 05. 2020</a:t>
+              <a:t>25. 05. 2020</a:t>
             </a:fld>
             <a:endParaRPr lang="sl-SI"/>
           </a:p>
@@ -1835,7 +1835,7 @@
           <a:lstStyle/>
           <a:p>
             <a:r>
-              <a:rPr lang="sl-SI" smtClean="0"/>
+              <a:rPr lang="sl-SI"/>
               <a:t>Uredite slog naslova matrice</a:t>
             </a:r>
             <a:endParaRPr lang="en-US" dirty="0"/>
@@ -1892,35 +1892,35 @@
           <a:p>
             <a:pPr lvl="0"/>
             <a:r>
-              <a:rPr lang="sl-SI" smtClean="0"/>
+              <a:rPr lang="sl-SI"/>
               <a:t>Uredite sloge besedila matrice</a:t>
             </a:r>
           </a:p>
           <a:p>
             <a:pPr lvl="1"/>
             <a:r>
-              <a:rPr lang="sl-SI" smtClean="0"/>
+              <a:rPr lang="sl-SI"/>
               <a:t>Druga raven</a:t>
             </a:r>
           </a:p>
           <a:p>
             <a:pPr lvl="2"/>
             <a:r>
-              <a:rPr lang="sl-SI" smtClean="0"/>
+              <a:rPr lang="sl-SI"/>
               <a:t>Tretja raven</a:t>
             </a:r>
           </a:p>
           <a:p>
             <a:pPr lvl="3"/>
             <a:r>
-              <a:rPr lang="sl-SI" smtClean="0"/>
+              <a:rPr lang="sl-SI"/>
               <a:t>Četrta raven</a:t>
             </a:r>
           </a:p>
           <a:p>
             <a:pPr lvl="4"/>
             <a:r>
-              <a:rPr lang="sl-SI" smtClean="0"/>
+              <a:rPr lang="sl-SI"/>
               <a:t>Peta raven</a:t>
             </a:r>
             <a:endParaRPr lang="en-US" dirty="0"/>
@@ -1977,35 +1977,35 @@
           <a:p>
             <a:pPr lvl="0"/>
             <a:r>
-              <a:rPr lang="sl-SI" smtClean="0"/>
+              <a:rPr lang="sl-SI"/>
               <a:t>Uredite sloge besedila matrice</a:t>
             </a:r>
           </a:p>
           <a:p>
             <a:pPr lvl="1"/>
             <a:r>
-              <a:rPr lang="sl-SI" smtClean="0"/>
+              <a:rPr lang="sl-SI"/>
               <a:t>Druga raven</a:t>
             </a:r>
           </a:p>
           <a:p>
             <a:pPr lvl="2"/>
             <a:r>
-              <a:rPr lang="sl-SI" smtClean="0"/>
+              <a:rPr lang="sl-SI"/>
               <a:t>Tretja raven</a:t>
             </a:r>
           </a:p>
           <a:p>
             <a:pPr lvl="3"/>
             <a:r>
-              <a:rPr lang="sl-SI" smtClean="0"/>
+              <a:rPr lang="sl-SI"/>
               <a:t>Četrta raven</a:t>
             </a:r>
           </a:p>
           <a:p>
             <a:pPr lvl="4"/>
             <a:r>
-              <a:rPr lang="sl-SI" smtClean="0"/>
+              <a:rPr lang="sl-SI"/>
               <a:t>Peta raven</a:t>
             </a:r>
             <a:endParaRPr lang="en-US" dirty="0"/>
@@ -2029,7 +2029,7 @@
           <a:p>
             <a:fld id="{5B7A9F00-252E-4934-8989-361D36C351BE}" type="datetimeFigureOut">
               <a:rPr lang="sl-SI" smtClean="0"/>
-              <a:t>23. 05. 2020</a:t>
+              <a:t>25. 05. 2020</a:t>
             </a:fld>
             <a:endParaRPr lang="sl-SI"/>
           </a:p>
@@ -2123,7 +2123,7 @@
           <a:lstStyle/>
           <a:p>
             <a:r>
-              <a:rPr lang="sl-SI" smtClean="0"/>
+              <a:rPr lang="sl-SI"/>
               <a:t>Uredite slog naslova matrice</a:t>
             </a:r>
             <a:endParaRPr lang="en-US" dirty="0"/>
@@ -2199,7 +2199,7 @@
           <a:p>
             <a:pPr lvl="0"/>
             <a:r>
-              <a:rPr lang="sl-SI" smtClean="0"/>
+              <a:rPr lang="sl-SI"/>
               <a:t>Uredite sloge besedila matrice</a:t>
             </a:r>
           </a:p>
@@ -2255,35 +2255,35 @@
           <a:p>
             <a:pPr lvl="0"/>
             <a:r>
-              <a:rPr lang="sl-SI" smtClean="0"/>
+              <a:rPr lang="sl-SI"/>
               <a:t>Uredite sloge besedila matrice</a:t>
             </a:r>
           </a:p>
           <a:p>
             <a:pPr lvl="1"/>
             <a:r>
-              <a:rPr lang="sl-SI" smtClean="0"/>
+              <a:rPr lang="sl-SI"/>
               <a:t>Druga raven</a:t>
             </a:r>
           </a:p>
           <a:p>
             <a:pPr lvl="2"/>
             <a:r>
-              <a:rPr lang="sl-SI" smtClean="0"/>
+              <a:rPr lang="sl-SI"/>
               <a:t>Tretja raven</a:t>
             </a:r>
           </a:p>
           <a:p>
             <a:pPr lvl="3"/>
             <a:r>
-              <a:rPr lang="sl-SI" smtClean="0"/>
+              <a:rPr lang="sl-SI"/>
               <a:t>Četrta raven</a:t>
             </a:r>
           </a:p>
           <a:p>
             <a:pPr lvl="4"/>
             <a:r>
-              <a:rPr lang="sl-SI" smtClean="0"/>
+              <a:rPr lang="sl-SI"/>
               <a:t>Peta raven</a:t>
             </a:r>
             <a:endParaRPr lang="en-US" dirty="0"/>
@@ -2358,7 +2358,7 @@
           <a:p>
             <a:pPr lvl="0"/>
             <a:r>
-              <a:rPr lang="sl-SI" smtClean="0"/>
+              <a:rPr lang="sl-SI"/>
               <a:t>Uredite sloge besedila matrice</a:t>
             </a:r>
           </a:p>
@@ -2414,35 +2414,35 @@
           <a:p>
             <a:pPr lvl="0"/>
             <a:r>
-              <a:rPr lang="sl-SI" smtClean="0"/>
+              <a:rPr lang="sl-SI"/>
               <a:t>Uredite sloge besedila matrice</a:t>
             </a:r>
           </a:p>
           <a:p>
             <a:pPr lvl="1"/>
             <a:r>
-              <a:rPr lang="sl-SI" smtClean="0"/>
+              <a:rPr lang="sl-SI"/>
               <a:t>Druga raven</a:t>
             </a:r>
           </a:p>
           <a:p>
             <a:pPr lvl="2"/>
             <a:r>
-              <a:rPr lang="sl-SI" smtClean="0"/>
+              <a:rPr lang="sl-SI"/>
               <a:t>Tretja raven</a:t>
             </a:r>
           </a:p>
           <a:p>
             <a:pPr lvl="3"/>
             <a:r>
-              <a:rPr lang="sl-SI" smtClean="0"/>
+              <a:rPr lang="sl-SI"/>
               <a:t>Četrta raven</a:t>
             </a:r>
           </a:p>
           <a:p>
             <a:pPr lvl="4"/>
             <a:r>
-              <a:rPr lang="sl-SI" smtClean="0"/>
+              <a:rPr lang="sl-SI"/>
               <a:t>Peta raven</a:t>
             </a:r>
             <a:endParaRPr lang="en-US" dirty="0"/>
@@ -2466,7 +2466,7 @@
           <a:p>
             <a:fld id="{5B7A9F00-252E-4934-8989-361D36C351BE}" type="datetimeFigureOut">
               <a:rPr lang="sl-SI" smtClean="0"/>
-              <a:t>23. 05. 2020</a:t>
+              <a:t>25. 05. 2020</a:t>
             </a:fld>
             <a:endParaRPr lang="sl-SI"/>
           </a:p>
@@ -2560,7 +2560,7 @@
           <a:lstStyle/>
           <a:p>
             <a:r>
-              <a:rPr lang="sl-SI" smtClean="0"/>
+              <a:rPr lang="sl-SI"/>
               <a:t>Uredite slog naslova matrice</a:t>
             </a:r>
             <a:endParaRPr lang="en-US" dirty="0"/>
@@ -2584,7 +2584,7 @@
           <a:p>
             <a:fld id="{5B7A9F00-252E-4934-8989-361D36C351BE}" type="datetimeFigureOut">
               <a:rPr lang="sl-SI" smtClean="0"/>
-              <a:t>23. 05. 2020</a:t>
+              <a:t>25. 05. 2020</a:t>
             </a:fld>
             <a:endParaRPr lang="sl-SI"/>
           </a:p>
@@ -2679,7 +2679,7 @@
           <a:p>
             <a:fld id="{5B7A9F00-252E-4934-8989-361D36C351BE}" type="datetimeFigureOut">
               <a:rPr lang="sl-SI" smtClean="0"/>
-              <a:t>23. 05. 2020</a:t>
+              <a:t>25. 05. 2020</a:t>
             </a:fld>
             <a:endParaRPr lang="sl-SI"/>
           </a:p>
@@ -2837,7 +2837,7 @@
           </a:lstStyle>
           <a:p>
             <a:r>
-              <a:rPr lang="sl-SI" smtClean="0"/>
+              <a:rPr lang="sl-SI"/>
               <a:t>Uredite slog naslova matrice</a:t>
             </a:r>
             <a:endParaRPr lang="en-US" dirty="0"/>
@@ -2894,35 +2894,35 @@
           <a:p>
             <a:pPr lvl="0"/>
             <a:r>
-              <a:rPr lang="sl-SI" smtClean="0"/>
+              <a:rPr lang="sl-SI"/>
               <a:t>Uredite sloge besedila matrice</a:t>
             </a:r>
           </a:p>
           <a:p>
             <a:pPr lvl="1"/>
             <a:r>
-              <a:rPr lang="sl-SI" smtClean="0"/>
+              <a:rPr lang="sl-SI"/>
               <a:t>Druga raven</a:t>
             </a:r>
           </a:p>
           <a:p>
             <a:pPr lvl="2"/>
             <a:r>
-              <a:rPr lang="sl-SI" smtClean="0"/>
+              <a:rPr lang="sl-SI"/>
               <a:t>Tretja raven</a:t>
             </a:r>
           </a:p>
           <a:p>
             <a:pPr lvl="3"/>
             <a:r>
-              <a:rPr lang="sl-SI" smtClean="0"/>
+              <a:rPr lang="sl-SI"/>
               <a:t>Četrta raven</a:t>
             </a:r>
           </a:p>
           <a:p>
             <a:pPr lvl="4"/>
             <a:r>
-              <a:rPr lang="sl-SI" smtClean="0"/>
+              <a:rPr lang="sl-SI"/>
               <a:t>Peta raven</a:t>
             </a:r>
             <a:endParaRPr lang="en-US" dirty="0"/>
@@ -3000,7 +3000,7 @@
           <a:p>
             <a:pPr lvl="0"/>
             <a:r>
-              <a:rPr lang="sl-SI" smtClean="0"/>
+              <a:rPr lang="sl-SI"/>
               <a:t>Uredite sloge besedila matrice</a:t>
             </a:r>
           </a:p>
@@ -3023,7 +3023,7 @@
           <a:p>
             <a:fld id="{5B7A9F00-252E-4934-8989-361D36C351BE}" type="datetimeFigureOut">
               <a:rPr lang="sl-SI" smtClean="0"/>
-              <a:t>23. 05. 2020</a:t>
+              <a:t>25. 05. 2020</a:t>
             </a:fld>
             <a:endParaRPr lang="sl-SI"/>
           </a:p>
@@ -3222,7 +3222,7 @@
           </a:lstStyle>
           <a:p>
             <a:r>
-              <a:rPr lang="sl-SI" smtClean="0"/>
+              <a:rPr lang="sl-SI"/>
               <a:t>Uredite slog naslova matrice</a:t>
             </a:r>
             <a:endParaRPr lang="en-US" dirty="0"/>
@@ -3296,7 +3296,7 @@
           </a:lstStyle>
           <a:p>
             <a:r>
-              <a:rPr lang="sl-SI" smtClean="0"/>
+              <a:rPr lang="sl-SI"/>
               <a:t>Kliknite ikono, če želite dodati sliko</a:t>
             </a:r>
             <a:endParaRPr lang="en-US" dirty="0"/>
@@ -3374,7 +3374,7 @@
           <a:p>
             <a:pPr lvl="0"/>
             <a:r>
-              <a:rPr lang="sl-SI" smtClean="0"/>
+              <a:rPr lang="sl-SI"/>
               <a:t>Uredite sloge besedila matrice</a:t>
             </a:r>
           </a:p>
@@ -3412,7 +3412,7 @@
           <a:p>
             <a:fld id="{5B7A9F00-252E-4934-8989-361D36C351BE}" type="datetimeFigureOut">
               <a:rPr lang="sl-SI" smtClean="0"/>
-              <a:t>23. 05. 2020</a:t>
+              <a:t>25. 05. 2020</a:t>
             </a:fld>
             <a:endParaRPr lang="sl-SI"/>
           </a:p>
@@ -3615,7 +3615,7 @@
           <a:lstStyle/>
           <a:p>
             <a:r>
-              <a:rPr lang="sl-SI" smtClean="0"/>
+              <a:rPr lang="sl-SI"/>
               <a:t>Uredite slog naslova matrice</a:t>
             </a:r>
             <a:endParaRPr lang="en-US" dirty="0"/>
@@ -3649,35 +3649,35 @@
           <a:p>
             <a:pPr lvl="0"/>
             <a:r>
-              <a:rPr lang="sl-SI" smtClean="0"/>
+              <a:rPr lang="sl-SI"/>
               <a:t>Uredite sloge besedila matrice</a:t>
             </a:r>
           </a:p>
           <a:p>
             <a:pPr lvl="1"/>
             <a:r>
-              <a:rPr lang="sl-SI" smtClean="0"/>
+              <a:rPr lang="sl-SI"/>
               <a:t>Druga raven</a:t>
             </a:r>
           </a:p>
           <a:p>
             <a:pPr lvl="2"/>
             <a:r>
-              <a:rPr lang="sl-SI" smtClean="0"/>
+              <a:rPr lang="sl-SI"/>
               <a:t>Tretja raven</a:t>
             </a:r>
           </a:p>
           <a:p>
             <a:pPr lvl="3"/>
             <a:r>
-              <a:rPr lang="sl-SI" smtClean="0"/>
+              <a:rPr lang="sl-SI"/>
               <a:t>Četrta raven</a:t>
             </a:r>
           </a:p>
           <a:p>
             <a:pPr lvl="4"/>
             <a:r>
-              <a:rPr lang="sl-SI" smtClean="0"/>
+              <a:rPr lang="sl-SI"/>
               <a:t>Peta raven</a:t>
             </a:r>
             <a:endParaRPr lang="en-US" dirty="0"/>
@@ -3720,7 +3720,7 @@
           <a:p>
             <a:fld id="{5B7A9F00-252E-4934-8989-361D36C351BE}" type="datetimeFigureOut">
               <a:rPr lang="sl-SI" smtClean="0"/>
-              <a:t>23. 05. 2020</a:t>
+              <a:t>25. 05. 2020</a:t>
             </a:fld>
             <a:endParaRPr lang="sl-SI"/>
           </a:p>
@@ -5634,7 +5634,7 @@
           <a:lstStyle/>
           <a:p>
             <a:r>
-              <a:rPr lang="sl-SI" dirty="0" smtClean="0"/>
+              <a:rPr lang="sl-SI" dirty="0"/>
               <a:t>Kaj so univerzitetne fundacije?</a:t>
             </a:r>
             <a:endParaRPr lang="sl-SI" dirty="0">
@@ -5738,7 +5738,7 @@
           <a:lstStyle/>
           <a:p>
             <a:r>
-              <a:rPr lang="sl-SI" dirty="0" smtClean="0"/>
+              <a:rPr lang="sl-SI" dirty="0"/>
               <a:t>Kaj so univerzitetne fundacije?</a:t>
             </a:r>
             <a:endParaRPr lang="en-US" dirty="0"/>
@@ -5840,20 +5840,16 @@
               <a:rPr lang="en-US" dirty="0"/>
               <a:t>. </a:t>
             </a:r>
-            <a:endParaRPr lang="sl-SI" dirty="0" smtClean="0"/>
-          </a:p>
-          <a:p>
-            <a:r>
-              <a:rPr lang="en-US" dirty="0" err="1" smtClean="0"/>
+            <a:endParaRPr lang="sl-SI" dirty="0"/>
+          </a:p>
+          <a:p>
+            <a:r>
+              <a:rPr lang="en-US" dirty="0" err="1"/>
               <a:t>Namenjena</a:t>
             </a:r>
             <a:r>
-              <a:rPr lang="en-US" dirty="0" smtClean="0"/>
-              <a:t> </a:t>
-            </a:r>
-            <a:r>
-              <a:rPr lang="en-US" dirty="0"/>
-              <a:t>so </a:t>
+              <a:rPr lang="en-US" dirty="0"/>
+              <a:t> so </a:t>
             </a:r>
             <a:r>
               <a:rPr lang="en-US" dirty="0" err="1"/>
@@ -5936,22 +5932,22 @@
               <a:t> in </a:t>
             </a:r>
             <a:r>
-              <a:rPr lang="en-US" dirty="0" err="1" smtClean="0"/>
+              <a:rPr lang="en-US" dirty="0" err="1"/>
               <a:t>izdatke</a:t>
             </a:r>
             <a:r>
-              <a:rPr lang="sl-SI" dirty="0" smtClean="0"/>
+              <a:rPr lang="sl-SI" dirty="0"/>
               <a:t>.</a:t>
             </a:r>
             <a:endParaRPr lang="en-US" dirty="0"/>
           </a:p>
           <a:p>
             <a:r>
-              <a:rPr lang="sl-SI" dirty="0" smtClean="0"/>
+              <a:rPr lang="sl-SI" dirty="0"/>
               <a:t>Cilj delovanja</a:t>
             </a:r>
             <a:r>
-              <a:rPr lang="en-US" dirty="0" smtClean="0"/>
+              <a:rPr lang="en-US" dirty="0"/>
               <a:t>: </a:t>
             </a:r>
             <a:r>
@@ -6071,10 +6067,10 @@
               <a:t>generacije</a:t>
             </a:r>
             <a:r>
-              <a:rPr lang="en-US" dirty="0" smtClean="0"/>
+              <a:rPr lang="en-US" dirty="0"/>
               <a:t>.</a:t>
             </a:r>
-            <a:endParaRPr lang="sl-SI" dirty="0" smtClean="0"/>
+            <a:endParaRPr lang="sl-SI" dirty="0"/>
           </a:p>
           <a:p>
             <a:r>
@@ -6186,19 +6182,15 @@
               <a:t>porabijo</a:t>
             </a:r>
             <a:r>
-              <a:rPr lang="en-US" dirty="0" smtClean="0"/>
+              <a:rPr lang="en-US" dirty="0"/>
               <a:t>.</a:t>
             </a:r>
-            <a:endParaRPr lang="sl-SI" dirty="0" smtClean="0"/>
-          </a:p>
-          <a:p>
-            <a:r>
-              <a:rPr lang="en-US" dirty="0"/>
-              <a:t>Ker </a:t>
-            </a:r>
-            <a:r>
-              <a:rPr lang="en-US" dirty="0" smtClean="0"/>
-              <a:t>so </a:t>
+            <a:endParaRPr lang="sl-SI" dirty="0"/>
+          </a:p>
+          <a:p>
+            <a:r>
+              <a:rPr lang="en-US" dirty="0"/>
+              <a:t>Ker so </a:t>
             </a:r>
             <a:r>
               <a:rPr lang="en-US" dirty="0" err="1"/>
@@ -6352,7 +6344,7 @@
               <a:rPr lang="en-US" dirty="0"/>
               <a:t>.</a:t>
             </a:r>
-            <a:endParaRPr lang="sl-SI" dirty="0" smtClean="0"/>
+            <a:endParaRPr lang="sl-SI" dirty="0"/>
           </a:p>
           <a:p>
             <a:endParaRPr lang="en-US" dirty="0"/>
@@ -6821,7 +6813,19 @@
               <a:rPr lang="sl-SI" dirty="0">
                 <a:effectLst/>
               </a:rPr>
-              <a:t> Odstotek sredstev, vloženih v stalni dohodek, se je v obdobju 2002 do 2017 zmanjšal s 23 % na 8 %. Medtem ko se je delež sredstev, ki se vlagajo v kapital in stalni dohodek, zmanjšal, se je delež sredstev, vloženih v alternativne strategije, povečeval.</a:t>
+              <a:t> Odstotek sredstev, vloženih v stalni dohodek, se je v obdobju 2002 do 2017 zmanjšal s 23 % na 8 %. Medtem ko se je delež sredstev, ki se vlagajo v kapital in v vrednostne papirje </a:t>
+            </a:r>
+            <a:r>
+              <a:rPr lang="sl-SI">
+                <a:effectLst/>
+              </a:rPr>
+              <a:t>s stalnim donosom, </a:t>
+            </a:r>
+            <a:r>
+              <a:rPr lang="sl-SI" dirty="0">
+                <a:effectLst/>
+              </a:rPr>
+              <a:t>zmanjšal, se je delež sredstev, vloženih v alternativne strategije, povečeval.</a:t>
             </a:r>
           </a:p>
           <a:p>
@@ -6899,11 +6903,11 @@
           <a:lstStyle/>
           <a:p>
             <a:r>
-              <a:rPr lang="en-US" dirty="0" err="1" smtClean="0"/>
+              <a:rPr lang="en-US" dirty="0" err="1"/>
               <a:t>Pregled</a:t>
             </a:r>
             <a:r>
-              <a:rPr lang="en-US" dirty="0" smtClean="0"/>
+              <a:rPr lang="en-US" dirty="0"/>
               <a:t> </a:t>
             </a:r>
             <a:r>
@@ -7033,10 +7037,10 @@
               <a:t>univerze</a:t>
             </a:r>
             <a:r>
-              <a:rPr lang="en-US" dirty="0" smtClean="0"/>
+              <a:rPr lang="en-US" dirty="0"/>
               <a:t>.</a:t>
             </a:r>
-            <a:endParaRPr lang="sl-SI" dirty="0" smtClean="0"/>
+            <a:endParaRPr lang="sl-SI" dirty="0"/>
           </a:p>
           <a:p>
             <a:r>
@@ -7188,10 +7192,10 @@
               <a:t>področjih</a:t>
             </a:r>
             <a:r>
-              <a:rPr lang="en-US" dirty="0" smtClean="0"/>
+              <a:rPr lang="en-US" dirty="0"/>
               <a:t>.</a:t>
             </a:r>
-            <a:endParaRPr lang="sl-SI" dirty="0" smtClean="0"/>
+            <a:endParaRPr lang="sl-SI" dirty="0"/>
           </a:p>
           <a:p>
             <a:r>
@@ -7399,10 +7403,10 @@
               <a:t>generacije</a:t>
             </a:r>
             <a:r>
-              <a:rPr lang="en-US" dirty="0" smtClean="0"/>
+              <a:rPr lang="en-US" dirty="0"/>
               <a:t>.</a:t>
             </a:r>
-            <a:endParaRPr lang="sl-SI" dirty="0" smtClean="0"/>
+            <a:endParaRPr lang="sl-SI" dirty="0"/>
           </a:p>
           <a:p>
             <a:r>
@@ -7439,15 +7443,7 @@
             </a:r>
             <a:r>
               <a:rPr lang="en-US" dirty="0"/>
-              <a:t> </a:t>
-            </a:r>
-            <a:r>
-              <a:rPr lang="en-US" dirty="0" smtClean="0"/>
-              <a:t>30.6.2019</a:t>
-            </a:r>
-            <a:r>
-              <a:rPr lang="en-US" dirty="0"/>
-              <a:t>, je </a:t>
+              <a:t> 30.6.2019, je </a:t>
             </a:r>
             <a:r>
               <a:rPr lang="en-US" dirty="0" err="1"/>
@@ -7550,10 +7546,10 @@
               <a:t>letu</a:t>
             </a:r>
             <a:r>
-              <a:rPr lang="en-US" dirty="0" smtClean="0"/>
+              <a:rPr lang="en-US" dirty="0"/>
               <a:t>.</a:t>
             </a:r>
-            <a:endParaRPr lang="sl-SI" dirty="0" smtClean="0"/>
+            <a:endParaRPr lang="sl-SI" dirty="0"/>
           </a:p>
           <a:p>
             <a:r>
@@ -7788,24 +7784,16 @@
               <a:rPr lang="en-US" sz="3200" dirty="0"/>
               <a:t> </a:t>
             </a:r>
-            <a:r>
-              <a:rPr lang="sl-SI" sz="3200" dirty="0" smtClean="0"/>
-              <a:t/>
-            </a:r>
             <a:br>
-              <a:rPr lang="sl-SI" sz="3200" dirty="0" smtClean="0"/>
+              <a:rPr lang="sl-SI" sz="3200" dirty="0"/>
             </a:br>
             <a:r>
-              <a:rPr lang="en-US" sz="3200" dirty="0" err="1" smtClean="0"/>
+              <a:rPr lang="en-US" sz="3200" dirty="0" err="1"/>
               <a:t>univerze</a:t>
             </a:r>
             <a:r>
-              <a:rPr lang="en-US" sz="3200" dirty="0" smtClean="0"/>
-              <a:t> </a:t>
-            </a:r>
-            <a:r>
               <a:rPr lang="en-US" sz="3200" dirty="0"/>
-              <a:t>Harvard</a:t>
+              <a:t> Harvard</a:t>
             </a:r>
           </a:p>
         </p:txBody>

--- a/Predstavitev_skupina_8.pptx
+++ b/Predstavitev_skupina_8.pptx
@@ -595,7 +595,7 @@
           <a:p>
             <a:fld id="{5B7A9F00-252E-4934-8989-361D36C351BE}" type="datetimeFigureOut">
               <a:rPr lang="sl-SI" smtClean="0"/>
-              <a:t>25. 05. 2020</a:t>
+              <a:t>26. 05. 2020</a:t>
             </a:fld>
             <a:endParaRPr lang="sl-SI"/>
           </a:p>
@@ -797,7 +797,7 @@
           <a:p>
             <a:fld id="{5B7A9F00-252E-4934-8989-361D36C351BE}" type="datetimeFigureOut">
               <a:rPr lang="sl-SI" smtClean="0"/>
-              <a:t>25. 05. 2020</a:t>
+              <a:t>26. 05. 2020</a:t>
             </a:fld>
             <a:endParaRPr lang="sl-SI"/>
           </a:p>
@@ -977,7 +977,7 @@
           <a:p>
             <a:fld id="{5B7A9F00-252E-4934-8989-361D36C351BE}" type="datetimeFigureOut">
               <a:rPr lang="sl-SI" smtClean="0"/>
-              <a:t>25. 05. 2020</a:t>
+              <a:t>26. 05. 2020</a:t>
             </a:fld>
             <a:endParaRPr lang="sl-SI"/>
           </a:p>
@@ -1147,7 +1147,7 @@
           <a:p>
             <a:fld id="{5B7A9F00-252E-4934-8989-361D36C351BE}" type="datetimeFigureOut">
               <a:rPr lang="sl-SI" smtClean="0"/>
-              <a:t>25. 05. 2020</a:t>
+              <a:t>26. 05. 2020</a:t>
             </a:fld>
             <a:endParaRPr lang="sl-SI"/>
           </a:p>
@@ -1727,7 +1727,7 @@
           <a:p>
             <a:fld id="{5B7A9F00-252E-4934-8989-361D36C351BE}" type="datetimeFigureOut">
               <a:rPr lang="sl-SI" smtClean="0"/>
-              <a:t>25. 05. 2020</a:t>
+              <a:t>26. 05. 2020</a:t>
             </a:fld>
             <a:endParaRPr lang="sl-SI"/>
           </a:p>
@@ -2029,7 +2029,7 @@
           <a:p>
             <a:fld id="{5B7A9F00-252E-4934-8989-361D36C351BE}" type="datetimeFigureOut">
               <a:rPr lang="sl-SI" smtClean="0"/>
-              <a:t>25. 05. 2020</a:t>
+              <a:t>26. 05. 2020</a:t>
             </a:fld>
             <a:endParaRPr lang="sl-SI"/>
           </a:p>
@@ -2466,7 +2466,7 @@
           <a:p>
             <a:fld id="{5B7A9F00-252E-4934-8989-361D36C351BE}" type="datetimeFigureOut">
               <a:rPr lang="sl-SI" smtClean="0"/>
-              <a:t>25. 05. 2020</a:t>
+              <a:t>26. 05. 2020</a:t>
             </a:fld>
             <a:endParaRPr lang="sl-SI"/>
           </a:p>
@@ -2584,7 +2584,7 @@
           <a:p>
             <a:fld id="{5B7A9F00-252E-4934-8989-361D36C351BE}" type="datetimeFigureOut">
               <a:rPr lang="sl-SI" smtClean="0"/>
-              <a:t>25. 05. 2020</a:t>
+              <a:t>26. 05. 2020</a:t>
             </a:fld>
             <a:endParaRPr lang="sl-SI"/>
           </a:p>
@@ -2679,7 +2679,7 @@
           <a:p>
             <a:fld id="{5B7A9F00-252E-4934-8989-361D36C351BE}" type="datetimeFigureOut">
               <a:rPr lang="sl-SI" smtClean="0"/>
-              <a:t>25. 05. 2020</a:t>
+              <a:t>26. 05. 2020</a:t>
             </a:fld>
             <a:endParaRPr lang="sl-SI"/>
           </a:p>
@@ -3023,7 +3023,7 @@
           <a:p>
             <a:fld id="{5B7A9F00-252E-4934-8989-361D36C351BE}" type="datetimeFigureOut">
               <a:rPr lang="sl-SI" smtClean="0"/>
-              <a:t>25. 05. 2020</a:t>
+              <a:t>26. 05. 2020</a:t>
             </a:fld>
             <a:endParaRPr lang="sl-SI"/>
           </a:p>
@@ -3412,7 +3412,7 @@
           <a:p>
             <a:fld id="{5B7A9F00-252E-4934-8989-361D36C351BE}" type="datetimeFigureOut">
               <a:rPr lang="sl-SI" smtClean="0"/>
-              <a:t>25. 05. 2020</a:t>
+              <a:t>26. 05. 2020</a:t>
             </a:fld>
             <a:endParaRPr lang="sl-SI"/>
           </a:p>
@@ -3720,7 +3720,7 @@
           <a:p>
             <a:fld id="{5B7A9F00-252E-4934-8989-361D36C351BE}" type="datetimeFigureOut">
               <a:rPr lang="sl-SI" smtClean="0"/>
-              <a:t>25. 05. 2020</a:t>
+              <a:t>26. 05. 2020</a:t>
             </a:fld>
             <a:endParaRPr lang="sl-SI"/>
           </a:p>
@@ -4352,177 +4352,182 @@
             <p:ph idx="1"/>
           </p:nvPr>
         </p:nvSpPr>
-        <p:spPr/>
+        <p:spPr>
+          <a:xfrm>
+            <a:off x="1066800" y="1740023"/>
+            <a:ext cx="10058400" cy="4295017"/>
+          </a:xfrm>
+        </p:spPr>
         <p:txBody>
           <a:bodyPr>
-            <a:normAutofit/>
+            <a:normAutofit fontScale="92500" lnSpcReduction="20000"/>
           </a:bodyPr>
           <a:lstStyle/>
           <a:p>
             <a:r>
-              <a:rPr lang="sl-SI" dirty="0">
+              <a:rPr lang="sl-SI" sz="2400" dirty="0">
                 <a:effectLst/>
               </a:rPr>
               <a:t> Brown, J. R., </a:t>
             </a:r>
             <a:r>
-              <a:rPr lang="sl-SI" dirty="0" err="1">
+              <a:rPr lang="sl-SI" sz="2400" dirty="0" err="1">
                 <a:effectLst/>
               </a:rPr>
               <a:t>Dimmock</a:t>
             </a:r>
             <a:r>
-              <a:rPr lang="sl-SI" dirty="0">
+              <a:rPr lang="sl-SI" sz="2400" dirty="0">
                 <a:effectLst/>
               </a:rPr>
               <a:t>, S. G., </a:t>
             </a:r>
             <a:r>
-              <a:rPr lang="sl-SI" dirty="0" err="1">
+              <a:rPr lang="sl-SI" sz="2400" dirty="0" err="1">
                 <a:effectLst/>
               </a:rPr>
               <a:t>Kang</a:t>
             </a:r>
             <a:r>
-              <a:rPr lang="sl-SI" dirty="0">
+              <a:rPr lang="sl-SI" sz="2400" dirty="0">
                 <a:effectLst/>
               </a:rPr>
               <a:t>, J. K., &amp; </a:t>
             </a:r>
             <a:r>
-              <a:rPr lang="sl-SI" dirty="0" err="1">
+              <a:rPr lang="sl-SI" sz="2400" dirty="0" err="1">
                 <a:effectLst/>
               </a:rPr>
               <a:t>Weisbenner</a:t>
             </a:r>
             <a:r>
-              <a:rPr lang="sl-SI" dirty="0">
+              <a:rPr lang="sl-SI" sz="2400" dirty="0">
                 <a:effectLst/>
               </a:rPr>
               <a:t>, S. J. (2014).  </a:t>
             </a:r>
             <a:r>
-              <a:rPr lang="sl-SI" i="1" dirty="0">
+              <a:rPr lang="sl-SI" sz="2400" i="1" dirty="0">
                 <a:effectLst/>
               </a:rPr>
               <a:t>How </a:t>
             </a:r>
             <a:r>
-              <a:rPr lang="sl-SI" i="1" dirty="0" err="1">
+              <a:rPr lang="sl-SI" sz="2400" i="1" dirty="0" err="1">
                 <a:effectLst/>
               </a:rPr>
               <a:t>university</a:t>
             </a:r>
             <a:r>
-              <a:rPr lang="sl-SI" i="1" dirty="0">
-                <a:effectLst/>
-              </a:rPr>
-              <a:t> </a:t>
-            </a:r>
-            <a:r>
-              <a:rPr lang="sl-SI" i="1" dirty="0" err="1">
+              <a:rPr lang="sl-SI" sz="2400" i="1" dirty="0">
+                <a:effectLst/>
+              </a:rPr>
+              <a:t> </a:t>
+            </a:r>
+            <a:r>
+              <a:rPr lang="sl-SI" sz="2400" i="1" dirty="0" err="1">
                 <a:effectLst/>
               </a:rPr>
               <a:t>endowments</a:t>
             </a:r>
             <a:r>
-              <a:rPr lang="sl-SI" i="1" dirty="0">
-                <a:effectLst/>
-              </a:rPr>
-              <a:t> </a:t>
-            </a:r>
-            <a:r>
-              <a:rPr lang="sl-SI" i="1" dirty="0" err="1">
+              <a:rPr lang="sl-SI" sz="2400" i="1" dirty="0">
+                <a:effectLst/>
+              </a:rPr>
+              <a:t> </a:t>
+            </a:r>
+            <a:r>
+              <a:rPr lang="sl-SI" sz="2400" i="1" dirty="0" err="1">
                 <a:effectLst/>
               </a:rPr>
               <a:t>respond</a:t>
             </a:r>
             <a:r>
-              <a:rPr lang="sl-SI" i="1" dirty="0">
+              <a:rPr lang="sl-SI" sz="2400" i="1" dirty="0">
                 <a:effectLst/>
               </a:rPr>
               <a:t> to </a:t>
             </a:r>
             <a:r>
-              <a:rPr lang="sl-SI" i="1" dirty="0" err="1">
+              <a:rPr lang="sl-SI" sz="2400" i="1" dirty="0" err="1">
                 <a:effectLst/>
               </a:rPr>
               <a:t>financial</a:t>
             </a:r>
             <a:r>
-              <a:rPr lang="sl-SI" i="1" dirty="0">
+              <a:rPr lang="sl-SI" sz="2400" i="1" dirty="0">
                 <a:effectLst/>
               </a:rPr>
               <a:t> market </a:t>
             </a:r>
             <a:r>
-              <a:rPr lang="sl-SI" i="1" dirty="0" err="1">
+              <a:rPr lang="sl-SI" sz="2400" i="1" dirty="0" err="1">
                 <a:effectLst/>
               </a:rPr>
               <a:t>shocks</a:t>
             </a:r>
             <a:r>
-              <a:rPr lang="sl-SI" i="1" dirty="0">
+              <a:rPr lang="sl-SI" sz="2400" i="1" dirty="0">
                 <a:effectLst/>
               </a:rPr>
               <a:t>: Evidence </a:t>
             </a:r>
             <a:r>
-              <a:rPr lang="sl-SI" i="1" dirty="0" err="1">
+              <a:rPr lang="sl-SI" sz="2400" i="1" dirty="0" err="1">
                 <a:effectLst/>
               </a:rPr>
               <a:t>and</a:t>
             </a:r>
             <a:r>
-              <a:rPr lang="sl-SI" i="1" dirty="0">
-                <a:effectLst/>
-              </a:rPr>
-              <a:t> </a:t>
-            </a:r>
-            <a:r>
-              <a:rPr lang="sl-SI" i="1" dirty="0" err="1">
+              <a:rPr lang="sl-SI" sz="2400" i="1" dirty="0">
+                <a:effectLst/>
+              </a:rPr>
+              <a:t> </a:t>
+            </a:r>
+            <a:r>
+              <a:rPr lang="sl-SI" sz="2400" i="1" dirty="0" err="1">
                 <a:effectLst/>
               </a:rPr>
               <a:t>implications</a:t>
             </a:r>
             <a:r>
-              <a:rPr lang="sl-SI" dirty="0">
+              <a:rPr lang="sl-SI" sz="2400" dirty="0">
                 <a:effectLst/>
               </a:rPr>
               <a:t> . </a:t>
             </a:r>
             <a:r>
-              <a:rPr lang="sl-SI" dirty="0" err="1">
+              <a:rPr lang="sl-SI" sz="2400" dirty="0" err="1">
                 <a:effectLst/>
               </a:rPr>
               <a:t>American</a:t>
             </a:r>
             <a:r>
-              <a:rPr lang="sl-SI" dirty="0">
-                <a:effectLst/>
-              </a:rPr>
-              <a:t> </a:t>
-            </a:r>
-            <a:r>
-              <a:rPr lang="sl-SI" dirty="0" err="1">
+              <a:rPr lang="sl-SI" sz="2400" dirty="0">
+                <a:effectLst/>
+              </a:rPr>
+              <a:t> </a:t>
+            </a:r>
+            <a:r>
+              <a:rPr lang="sl-SI" sz="2400" dirty="0" err="1">
                 <a:effectLst/>
               </a:rPr>
               <a:t>Economic</a:t>
             </a:r>
             <a:r>
-              <a:rPr lang="sl-SI" dirty="0">
-                <a:effectLst/>
-              </a:rPr>
-              <a:t> </a:t>
-            </a:r>
-            <a:r>
-              <a:rPr lang="sl-SI" dirty="0" err="1">
+              <a:rPr lang="sl-SI" sz="2400" dirty="0">
+                <a:effectLst/>
+              </a:rPr>
+              <a:t> </a:t>
+            </a:r>
+            <a:r>
+              <a:rPr lang="sl-SI" sz="2400" dirty="0" err="1">
                 <a:effectLst/>
               </a:rPr>
               <a:t>Review</a:t>
             </a:r>
             <a:r>
-              <a:rPr lang="sl-SI" dirty="0">
+              <a:rPr lang="sl-SI" sz="2400" dirty="0">
                 <a:effectLst/>
               </a:rPr>
               <a:t>, 104(3), 931-62.</a:t>
@@ -4530,91 +4535,91 @@
           </a:p>
           <a:p>
             <a:r>
-              <a:rPr lang="sl-SI" dirty="0">
+              <a:rPr lang="sl-SI" sz="2400" dirty="0">
                 <a:effectLst/>
               </a:rPr>
               <a:t> Cambridge </a:t>
             </a:r>
             <a:r>
-              <a:rPr lang="sl-SI" dirty="0" err="1">
+              <a:rPr lang="sl-SI" sz="2400" dirty="0" err="1">
                 <a:effectLst/>
               </a:rPr>
               <a:t>Investment</a:t>
             </a:r>
             <a:r>
-              <a:rPr lang="sl-SI" dirty="0">
+              <a:rPr lang="sl-SI" sz="2400" dirty="0">
                 <a:effectLst/>
               </a:rPr>
               <a:t> Management </a:t>
             </a:r>
             <a:r>
-              <a:rPr lang="sl-SI" dirty="0" err="1">
+              <a:rPr lang="sl-SI" sz="2400" dirty="0" err="1">
                 <a:effectLst/>
               </a:rPr>
               <a:t>Limited</a:t>
             </a:r>
             <a:r>
-              <a:rPr lang="sl-SI" dirty="0">
+              <a:rPr lang="sl-SI" sz="2400" dirty="0">
                 <a:effectLst/>
               </a:rPr>
               <a:t>.  </a:t>
             </a:r>
             <a:r>
-              <a:rPr lang="sl-SI" i="1" dirty="0">
+              <a:rPr lang="sl-SI" sz="2400" i="1" dirty="0">
                 <a:effectLst/>
               </a:rPr>
               <a:t>Cambridge </a:t>
             </a:r>
             <a:r>
-              <a:rPr lang="sl-SI" i="1" dirty="0" err="1">
+              <a:rPr lang="sl-SI" sz="2400" i="1" dirty="0" err="1">
                 <a:effectLst/>
               </a:rPr>
               <a:t>University</a:t>
             </a:r>
             <a:r>
-              <a:rPr lang="sl-SI" i="1" dirty="0">
-                <a:effectLst/>
-              </a:rPr>
-              <a:t> </a:t>
-            </a:r>
-            <a:r>
-              <a:rPr lang="sl-SI" i="1" dirty="0" err="1">
+              <a:rPr lang="sl-SI" sz="2400" i="1" dirty="0">
+                <a:effectLst/>
+              </a:rPr>
+              <a:t> </a:t>
+            </a:r>
+            <a:r>
+              <a:rPr lang="sl-SI" sz="2400" i="1" dirty="0" err="1">
                 <a:effectLst/>
               </a:rPr>
               <a:t>Endowment</a:t>
             </a:r>
             <a:r>
-              <a:rPr lang="sl-SI" i="1" dirty="0">
+              <a:rPr lang="sl-SI" sz="2400" i="1" dirty="0">
                 <a:effectLst/>
               </a:rPr>
               <a:t> Fund, </a:t>
             </a:r>
             <a:r>
-              <a:rPr lang="sl-SI" i="1" dirty="0" err="1">
+              <a:rPr lang="sl-SI" sz="2400" i="1" dirty="0" err="1">
                 <a:effectLst/>
               </a:rPr>
               <a:t>Annual</a:t>
             </a:r>
             <a:r>
-              <a:rPr lang="sl-SI" i="1" dirty="0">
-                <a:effectLst/>
-              </a:rPr>
-              <a:t> </a:t>
-            </a:r>
-            <a:r>
-              <a:rPr lang="sl-SI" i="1" dirty="0" err="1">
+              <a:rPr lang="sl-SI" sz="2400" i="1" dirty="0">
+                <a:effectLst/>
+              </a:rPr>
+              <a:t> </a:t>
+            </a:r>
+            <a:r>
+              <a:rPr lang="sl-SI" sz="2400" i="1" dirty="0" err="1">
                 <a:effectLst/>
               </a:rPr>
               <a:t>Report</a:t>
             </a:r>
             <a:r>
-              <a:rPr lang="sl-SI" i="1" dirty="0">
+              <a:rPr lang="sl-SI" sz="2400" i="1" dirty="0">
                 <a:effectLst/>
               </a:rPr>
               <a:t> 2019</a:t>
             </a:r>
             <a:r>
-              <a:rPr lang="sl-SI" dirty="0">
+              <a:rPr lang="sl-SI" sz="2400" dirty="0">
                 <a:effectLst/>
               </a:rPr>
               <a:t> . Pridobljeno 16. maja 2020 iz  https://www.cambridgeinvestmentmanagement.co.uk/files/cuef_annual_report_2019_v2.pdf .</a:t>
@@ -4622,31 +4627,31 @@
           </a:p>
           <a:p>
             <a:r>
-              <a:rPr lang="sl-SI" dirty="0">
+              <a:rPr lang="sl-SI" sz="2400" dirty="0">
                 <a:effectLst/>
               </a:rPr>
               <a:t> Harvard </a:t>
             </a:r>
             <a:r>
-              <a:rPr lang="sl-SI" dirty="0" err="1">
+              <a:rPr lang="sl-SI" sz="2400" dirty="0" err="1">
                 <a:effectLst/>
               </a:rPr>
               <a:t>University</a:t>
             </a:r>
             <a:r>
-              <a:rPr lang="sl-SI" dirty="0">
+              <a:rPr lang="sl-SI" sz="2400" dirty="0">
                 <a:effectLst/>
               </a:rPr>
               <a:t>.  </a:t>
             </a:r>
             <a:r>
-              <a:rPr lang="sl-SI" i="1" dirty="0" err="1">
+              <a:rPr lang="sl-SI" sz="2400" i="1" dirty="0" err="1">
                 <a:effectLst/>
               </a:rPr>
               <a:t>Endowment</a:t>
             </a:r>
             <a:r>
-              <a:rPr lang="sl-SI" dirty="0">
+              <a:rPr lang="sl-SI" sz="2400" dirty="0">
                 <a:effectLst/>
               </a:rPr>
               <a:t> . Pridobljeno 16. maja 2020 iz  https://www.harvard.edu/about-harvard/harvard-glance/endowment .</a:t>
@@ -4654,84 +4659,84 @@
           </a:p>
           <a:p>
             <a:r>
-              <a:rPr lang="sl-SI" dirty="0">
+              <a:rPr lang="sl-SI" sz="2400" dirty="0">
                 <a:effectLst/>
               </a:rPr>
               <a:t> Harvard </a:t>
             </a:r>
             <a:r>
-              <a:rPr lang="sl-SI" dirty="0" err="1">
+              <a:rPr lang="sl-SI" sz="2400" dirty="0" err="1">
                 <a:effectLst/>
               </a:rPr>
               <a:t>University</a:t>
             </a:r>
             <a:r>
-              <a:rPr lang="sl-SI" dirty="0">
+              <a:rPr lang="sl-SI" sz="2400" dirty="0">
                 <a:effectLst/>
               </a:rPr>
               <a:t>.  </a:t>
             </a:r>
             <a:r>
-              <a:rPr lang="sl-SI" i="1" dirty="0" err="1">
+              <a:rPr lang="sl-SI" sz="2400" i="1" dirty="0" err="1">
                 <a:effectLst/>
               </a:rPr>
               <a:t>Financial</a:t>
             </a:r>
             <a:r>
-              <a:rPr lang="sl-SI" i="1" dirty="0">
-                <a:effectLst/>
-              </a:rPr>
-              <a:t> </a:t>
-            </a:r>
-            <a:r>
-              <a:rPr lang="sl-SI" i="1" dirty="0" err="1">
+              <a:rPr lang="sl-SI" sz="2400" i="1" dirty="0">
+                <a:effectLst/>
+              </a:rPr>
+              <a:t> </a:t>
+            </a:r>
+            <a:r>
+              <a:rPr lang="sl-SI" sz="2400" i="1" dirty="0" err="1">
                 <a:effectLst/>
               </a:rPr>
               <a:t>report</a:t>
             </a:r>
             <a:r>
-              <a:rPr lang="sl-SI" i="1" dirty="0">
+              <a:rPr lang="sl-SI" sz="2400" i="1" dirty="0">
                 <a:effectLst/>
               </a:rPr>
               <a:t>, </a:t>
             </a:r>
             <a:r>
-              <a:rPr lang="sl-SI" i="1" dirty="0" err="1">
+              <a:rPr lang="sl-SI" sz="2400" i="1" dirty="0" err="1">
                 <a:effectLst/>
               </a:rPr>
               <a:t>fiscal</a:t>
             </a:r>
             <a:r>
-              <a:rPr lang="sl-SI" i="1" dirty="0">
-                <a:effectLst/>
-              </a:rPr>
-              <a:t> </a:t>
-            </a:r>
-            <a:r>
-              <a:rPr lang="sl-SI" i="1" dirty="0" err="1">
+              <a:rPr lang="sl-SI" sz="2400" i="1" dirty="0">
+                <a:effectLst/>
+              </a:rPr>
+              <a:t> </a:t>
+            </a:r>
+            <a:r>
+              <a:rPr lang="sl-SI" sz="2400" i="1" dirty="0" err="1">
                 <a:effectLst/>
               </a:rPr>
               <a:t>year</a:t>
             </a:r>
             <a:r>
-              <a:rPr lang="sl-SI" i="1" dirty="0">
+              <a:rPr lang="sl-SI" sz="2400" i="1" dirty="0">
                 <a:effectLst/>
               </a:rPr>
               <a:t> 2019, Harvard </a:t>
             </a:r>
             <a:r>
-              <a:rPr lang="sl-SI" i="1" dirty="0" err="1">
+              <a:rPr lang="sl-SI" sz="2400" i="1" dirty="0" err="1">
                 <a:effectLst/>
               </a:rPr>
               <a:t>University</a:t>
             </a:r>
             <a:r>
-              <a:rPr lang="sl-SI" dirty="0">
+              <a:rPr lang="sl-SI" sz="2400" dirty="0">
                 <a:effectLst/>
               </a:rPr>
               <a:t> . Pridobljeno 16. maja 2020 iz  https://www.harvard.edu/sites/default/files/content/fy19_harvard_financial_report.pdf .</a:t>
             </a:r>
-            <a:endParaRPr lang="sl-SI" dirty="0"/>
+            <a:endParaRPr lang="sl-SI" sz="2400" dirty="0"/>
           </a:p>
         </p:txBody>
       </p:sp>
@@ -4783,767 +4788,773 @@
         </p:nvSpPr>
         <p:spPr>
           <a:xfrm>
-            <a:off x="838200" y="435006"/>
+            <a:off x="838200" y="754602"/>
             <a:ext cx="10515600" cy="5741957"/>
           </a:xfrm>
         </p:spPr>
         <p:txBody>
           <a:bodyPr>
-            <a:normAutofit/>
+            <a:normAutofit fontScale="92500"/>
           </a:bodyPr>
           <a:lstStyle/>
           <a:p>
             <a:r>
+              <a:rPr lang="sl-SI" sz="2400" dirty="0">
+                <a:effectLst/>
+              </a:rPr>
+              <a:t>  </a:t>
+            </a:r>
+            <a:r>
+              <a:rPr lang="sl-SI" sz="2400" dirty="0" err="1">
+                <a:effectLst/>
+              </a:rPr>
+              <a:t>Investopedia</a:t>
+            </a:r>
+            <a:r>
+              <a:rPr lang="sl-SI" sz="2400" dirty="0">
+                <a:effectLst/>
+              </a:rPr>
+              <a:t>. </a:t>
+            </a:r>
+            <a:r>
+              <a:rPr lang="sl-SI" sz="2400" i="1" dirty="0">
+                <a:effectLst/>
+              </a:rPr>
+              <a:t>How do </a:t>
+            </a:r>
+            <a:r>
+              <a:rPr lang="sl-SI" sz="2400" i="1" dirty="0" err="1">
+                <a:effectLst/>
+              </a:rPr>
+              <a:t>university</a:t>
+            </a:r>
+            <a:r>
+              <a:rPr lang="sl-SI" sz="2400" i="1" dirty="0">
+                <a:effectLst/>
+              </a:rPr>
+              <a:t> </a:t>
+            </a:r>
+            <a:r>
+              <a:rPr lang="sl-SI" sz="2400" i="1" dirty="0" err="1">
+                <a:effectLst/>
+              </a:rPr>
+              <a:t>endowments</a:t>
+            </a:r>
+            <a:r>
+              <a:rPr lang="sl-SI" sz="2400" i="1" dirty="0">
+                <a:effectLst/>
+              </a:rPr>
+              <a:t> </a:t>
+            </a:r>
+            <a:r>
+              <a:rPr lang="sl-SI" sz="2400" i="1" dirty="0" err="1">
+                <a:effectLst/>
+              </a:rPr>
+              <a:t>work</a:t>
+            </a:r>
+            <a:r>
+              <a:rPr lang="sl-SI" sz="2400" i="1" dirty="0">
+                <a:effectLst/>
+              </a:rPr>
+              <a:t>?  </a:t>
+            </a:r>
+            <a:r>
+              <a:rPr lang="sl-SI" sz="2400" dirty="0">
+                <a:effectLst/>
+              </a:rPr>
+              <a:t>Pridobljeno 29. aprila 2020 iz  https://www.investopedia.com/ask/answers/how-do-university-endowments-work/ .</a:t>
+            </a:r>
+          </a:p>
+          <a:p>
+            <a:r>
+              <a:rPr lang="sl-SI" sz="2400" dirty="0">
+                <a:effectLst/>
+              </a:rPr>
+              <a:t>  </a:t>
+            </a:r>
+            <a:r>
+              <a:rPr lang="sl-SI" sz="2400" dirty="0" err="1">
+                <a:effectLst/>
+              </a:rPr>
+              <a:t>Investopedia</a:t>
+            </a:r>
+            <a:r>
+              <a:rPr lang="sl-SI" sz="2400" dirty="0">
+                <a:effectLst/>
+              </a:rPr>
+              <a:t>. </a:t>
+            </a:r>
+            <a:r>
+              <a:rPr lang="sl-SI" sz="2400" i="1" dirty="0">
+                <a:effectLst/>
+              </a:rPr>
+              <a:t>How To </a:t>
+            </a:r>
+            <a:r>
+              <a:rPr lang="sl-SI" sz="2400" i="1" dirty="0" err="1">
+                <a:effectLst/>
+              </a:rPr>
+              <a:t>Invest</a:t>
+            </a:r>
+            <a:r>
+              <a:rPr lang="sl-SI" sz="2400" i="1" dirty="0">
+                <a:effectLst/>
+              </a:rPr>
+              <a:t> Like An </a:t>
+            </a:r>
+            <a:r>
+              <a:rPr lang="sl-SI" sz="2400" i="1" dirty="0" err="1">
+                <a:effectLst/>
+              </a:rPr>
+              <a:t>Endowment</a:t>
+            </a:r>
+            <a:r>
+              <a:rPr lang="sl-SI" sz="2400" i="1" dirty="0">
+                <a:effectLst/>
+              </a:rPr>
+              <a:t>? </a:t>
+            </a:r>
+            <a:r>
+              <a:rPr lang="sl-SI" sz="2400" dirty="0">
+                <a:effectLst/>
+              </a:rPr>
+              <a:t>, Pridobljeno 13. maja 2020 iz  https://www.investopedia.com/articles/financial-theory/09/ivy-league-endowments-money-management.asp .</a:t>
+            </a:r>
+          </a:p>
+          <a:p>
+            <a:r>
+              <a:rPr lang="sl-SI" sz="2400" dirty="0">
+                <a:effectLst/>
+              </a:rPr>
+              <a:t>  Sherlock, M. F., </a:t>
+            </a:r>
+            <a:r>
+              <a:rPr lang="sl-SI" sz="2400" dirty="0" err="1">
+                <a:effectLst/>
+              </a:rPr>
+              <a:t>Crandall-Hollick</a:t>
+            </a:r>
+            <a:r>
+              <a:rPr lang="sl-SI" sz="2400" dirty="0">
+                <a:effectLst/>
+              </a:rPr>
+              <a:t>, M. L., </a:t>
+            </a:r>
+            <a:r>
+              <a:rPr lang="sl-SI" sz="2400" dirty="0" err="1">
+                <a:effectLst/>
+              </a:rPr>
+              <a:t>Gravelle</a:t>
+            </a:r>
+            <a:r>
+              <a:rPr lang="sl-SI" sz="2400" dirty="0">
+                <a:effectLst/>
+              </a:rPr>
+              <a:t>, J., &amp; </a:t>
+            </a:r>
+            <a:r>
+              <a:rPr lang="sl-SI" sz="2400" dirty="0" err="1">
+                <a:effectLst/>
+              </a:rPr>
+              <a:t>Stupak</a:t>
+            </a:r>
+            <a:r>
+              <a:rPr lang="sl-SI" sz="2400" dirty="0">
+                <a:effectLst/>
+              </a:rPr>
+              <a:t>, J. M. (2015</a:t>
+            </a:r>
+            <a:r>
+              <a:rPr lang="sl-SI" sz="2400" i="1" dirty="0">
+                <a:effectLst/>
+              </a:rPr>
+              <a:t>).  </a:t>
+            </a:r>
+            <a:r>
+              <a:rPr lang="sl-SI" sz="2400" i="1" dirty="0" err="1">
+                <a:effectLst/>
+              </a:rPr>
+              <a:t>College</a:t>
+            </a:r>
+            <a:r>
+              <a:rPr lang="sl-SI" sz="2400" i="1" dirty="0">
+                <a:effectLst/>
+              </a:rPr>
+              <a:t> </a:t>
+            </a:r>
+            <a:r>
+              <a:rPr lang="sl-SI" sz="2400" i="1" dirty="0" err="1">
+                <a:effectLst/>
+              </a:rPr>
+              <a:t>and</a:t>
+            </a:r>
+            <a:r>
+              <a:rPr lang="sl-SI" sz="2400" i="1" dirty="0">
+                <a:effectLst/>
+              </a:rPr>
+              <a:t> </a:t>
+            </a:r>
+            <a:r>
+              <a:rPr lang="sl-SI" sz="2400" i="1" dirty="0" err="1">
+                <a:effectLst/>
+              </a:rPr>
+              <a:t>university</a:t>
+            </a:r>
+            <a:r>
+              <a:rPr lang="sl-SI" sz="2400" i="1" dirty="0">
+                <a:effectLst/>
+              </a:rPr>
+              <a:t> </a:t>
+            </a:r>
+            <a:r>
+              <a:rPr lang="sl-SI" sz="2400" i="1" dirty="0" err="1">
+                <a:effectLst/>
+              </a:rPr>
+              <a:t>endowments</a:t>
+            </a:r>
+            <a:r>
+              <a:rPr lang="sl-SI" sz="2400" i="1" dirty="0">
+                <a:effectLst/>
+              </a:rPr>
+              <a:t>: </a:t>
+            </a:r>
+            <a:r>
+              <a:rPr lang="sl-SI" sz="2400" i="1" dirty="0" err="1">
+                <a:effectLst/>
+              </a:rPr>
+              <a:t>Overview</a:t>
+            </a:r>
+            <a:r>
+              <a:rPr lang="sl-SI" sz="2400" i="1" dirty="0">
+                <a:effectLst/>
+              </a:rPr>
+              <a:t> </a:t>
+            </a:r>
+            <a:r>
+              <a:rPr lang="sl-SI" sz="2400" i="1" dirty="0" err="1">
+                <a:effectLst/>
+              </a:rPr>
+              <a:t>and</a:t>
+            </a:r>
+            <a:r>
+              <a:rPr lang="sl-SI" sz="2400" i="1" dirty="0">
+                <a:effectLst/>
+              </a:rPr>
+              <a:t> </a:t>
+            </a:r>
+            <a:r>
+              <a:rPr lang="sl-SI" sz="2400" i="1" dirty="0" err="1">
+                <a:effectLst/>
+              </a:rPr>
+              <a:t>tax</a:t>
+            </a:r>
+            <a:r>
+              <a:rPr lang="sl-SI" sz="2400" i="1" dirty="0">
+                <a:effectLst/>
+              </a:rPr>
+              <a:t> </a:t>
+            </a:r>
+            <a:r>
+              <a:rPr lang="sl-SI" sz="2400" i="1" dirty="0" err="1">
+                <a:effectLst/>
+              </a:rPr>
+              <a:t>policy</a:t>
+            </a:r>
+            <a:r>
+              <a:rPr lang="sl-SI" sz="2400" i="1" dirty="0">
+                <a:effectLst/>
+              </a:rPr>
+              <a:t> </a:t>
+            </a:r>
+            <a:r>
+              <a:rPr lang="sl-SI" sz="2400" i="1" dirty="0" err="1">
+                <a:effectLst/>
+              </a:rPr>
+              <a:t>options</a:t>
+            </a:r>
+            <a:r>
+              <a:rPr lang="sl-SI" sz="2400" dirty="0">
+                <a:effectLst/>
+              </a:rPr>
+              <a:t>. Washington, DC: </a:t>
+            </a:r>
+            <a:r>
+              <a:rPr lang="sl-SI" sz="2400" dirty="0" err="1">
+                <a:effectLst/>
+              </a:rPr>
+              <a:t>Congressional</a:t>
+            </a:r>
+            <a:r>
+              <a:rPr lang="sl-SI" sz="2400" dirty="0">
+                <a:effectLst/>
+              </a:rPr>
+              <a:t> </a:t>
+            </a:r>
+            <a:r>
+              <a:rPr lang="sl-SI" sz="2400" dirty="0" err="1">
+                <a:effectLst/>
+              </a:rPr>
+              <a:t>Research</a:t>
+            </a:r>
+            <a:r>
+              <a:rPr lang="sl-SI" sz="2400" dirty="0">
+                <a:effectLst/>
+              </a:rPr>
+              <a:t> </a:t>
+            </a:r>
+            <a:r>
+              <a:rPr lang="sl-SI" sz="2400" dirty="0" err="1">
+                <a:effectLst/>
+              </a:rPr>
+              <a:t>Service</a:t>
+            </a:r>
+            <a:r>
+              <a:rPr lang="sl-SI" sz="2400" dirty="0">
+                <a:effectLst/>
+              </a:rPr>
+              <a:t> .</a:t>
+            </a:r>
+          </a:p>
+          <a:p>
+            <a:r>
+              <a:rPr lang="sl-SI" sz="2400" dirty="0">
+                <a:effectLst/>
+              </a:rPr>
+              <a:t>  </a:t>
+            </a:r>
+            <a:r>
+              <a:rPr lang="sl-SI" sz="2400" dirty="0" err="1">
+                <a:effectLst/>
+              </a:rPr>
+              <a:t>Spitz</a:t>
+            </a:r>
+            <a:r>
+              <a:rPr lang="sl-SI" sz="2400" dirty="0">
+                <a:effectLst/>
+              </a:rPr>
+              <a:t>, W. T. (2010). </a:t>
+            </a:r>
+            <a:r>
+              <a:rPr lang="sl-SI" sz="2400" i="1" dirty="0" err="1">
+                <a:effectLst/>
+              </a:rPr>
+              <a:t>Investment</a:t>
+            </a:r>
+            <a:r>
+              <a:rPr lang="sl-SI" sz="2400" i="1" dirty="0">
+                <a:effectLst/>
+              </a:rPr>
+              <a:t> </a:t>
+            </a:r>
+            <a:r>
+              <a:rPr lang="sl-SI" sz="2400" i="1" dirty="0" err="1">
+                <a:effectLst/>
+              </a:rPr>
+              <a:t>policies</a:t>
+            </a:r>
+            <a:r>
+              <a:rPr lang="sl-SI" sz="2400" i="1" dirty="0">
+                <a:effectLst/>
+              </a:rPr>
+              <a:t> </a:t>
+            </a:r>
+            <a:r>
+              <a:rPr lang="sl-SI" sz="2400" i="1" dirty="0" err="1">
+                <a:effectLst/>
+              </a:rPr>
+              <a:t>for</a:t>
+            </a:r>
+            <a:r>
+              <a:rPr lang="sl-SI" sz="2400" i="1" dirty="0">
+                <a:effectLst/>
+              </a:rPr>
+              <a:t> </a:t>
+            </a:r>
+            <a:r>
+              <a:rPr lang="sl-SI" sz="2400" i="1" dirty="0" err="1">
+                <a:effectLst/>
+              </a:rPr>
+              <a:t>college</a:t>
+            </a:r>
+            <a:r>
+              <a:rPr lang="sl-SI" sz="2400" i="1" dirty="0">
+                <a:effectLst/>
+              </a:rPr>
+              <a:t> </a:t>
+            </a:r>
+            <a:r>
+              <a:rPr lang="sl-SI" sz="2400" i="1" dirty="0" err="1">
+                <a:effectLst/>
+              </a:rPr>
+              <a:t>and</a:t>
+            </a:r>
+            <a:r>
+              <a:rPr lang="sl-SI" sz="2400" i="1" dirty="0">
+                <a:effectLst/>
+              </a:rPr>
+              <a:t> </a:t>
+            </a:r>
+            <a:r>
+              <a:rPr lang="sl-SI" sz="2400" i="1" dirty="0" err="1">
+                <a:effectLst/>
+              </a:rPr>
+              <a:t>university</a:t>
+            </a:r>
+            <a:r>
+              <a:rPr lang="sl-SI" sz="2400" i="1" dirty="0">
+                <a:effectLst/>
+              </a:rPr>
+              <a:t> </a:t>
+            </a:r>
+            <a:r>
+              <a:rPr lang="sl-SI" sz="2400" i="1" dirty="0" err="1">
+                <a:effectLst/>
+              </a:rPr>
+              <a:t>endowments</a:t>
+            </a:r>
+            <a:r>
+              <a:rPr lang="sl-SI" sz="2400" i="1" dirty="0">
+                <a:effectLst/>
+              </a:rPr>
+              <a:t>. </a:t>
+            </a:r>
+            <a:r>
+              <a:rPr lang="sl-SI" sz="2400" i="1" dirty="0" err="1">
+                <a:effectLst/>
+              </a:rPr>
+              <a:t>Roles</a:t>
+            </a:r>
+            <a:r>
+              <a:rPr lang="sl-SI" sz="2400" i="1" dirty="0">
+                <a:effectLst/>
+              </a:rPr>
+              <a:t> </a:t>
+            </a:r>
+            <a:r>
+              <a:rPr lang="sl-SI" sz="2400" i="1" dirty="0" err="1">
+                <a:effectLst/>
+              </a:rPr>
+              <a:t>and</a:t>
+            </a:r>
+            <a:r>
+              <a:rPr lang="sl-SI" sz="2400" i="1" dirty="0">
+                <a:effectLst/>
+              </a:rPr>
+              <a:t> </a:t>
+            </a:r>
+            <a:r>
+              <a:rPr lang="sl-SI" sz="2400" i="1" dirty="0" err="1">
+                <a:effectLst/>
+              </a:rPr>
+              <a:t>Responsibilities</a:t>
+            </a:r>
+            <a:r>
+              <a:rPr lang="sl-SI" sz="2400" i="1" dirty="0">
+                <a:effectLst/>
+              </a:rPr>
+              <a:t> </a:t>
+            </a:r>
+            <a:r>
+              <a:rPr lang="sl-SI" sz="2400" i="1" dirty="0" err="1">
+                <a:effectLst/>
+              </a:rPr>
+              <a:t>of</a:t>
+            </a:r>
+            <a:r>
+              <a:rPr lang="sl-SI" sz="2400" i="1" dirty="0">
+                <a:effectLst/>
+              </a:rPr>
+              <a:t> </a:t>
+            </a:r>
+            <a:r>
+              <a:rPr lang="sl-SI" sz="2400" i="1" dirty="0" err="1">
+                <a:effectLst/>
+              </a:rPr>
+              <a:t>the</a:t>
+            </a:r>
+            <a:r>
+              <a:rPr lang="sl-SI" sz="2400" i="1" dirty="0">
+                <a:effectLst/>
+              </a:rPr>
+              <a:t> </a:t>
+            </a:r>
+            <a:r>
+              <a:rPr lang="sl-SI" sz="2400" i="1" dirty="0" err="1">
+                <a:effectLst/>
+              </a:rPr>
+              <a:t>Chief</a:t>
+            </a:r>
+            <a:r>
+              <a:rPr lang="sl-SI" sz="2400" i="1" dirty="0">
+                <a:effectLst/>
+              </a:rPr>
+              <a:t> </a:t>
+            </a:r>
+            <a:r>
+              <a:rPr lang="sl-SI" sz="2400" i="1" dirty="0" err="1">
+                <a:effectLst/>
+              </a:rPr>
+              <a:t>Financial</a:t>
+            </a:r>
+            <a:r>
+              <a:rPr lang="sl-SI" sz="2400" i="1" dirty="0">
+                <a:effectLst/>
+              </a:rPr>
+              <a:t> </a:t>
+            </a:r>
+            <a:r>
+              <a:rPr lang="sl-SI" sz="2400" i="1" dirty="0" err="1">
+                <a:effectLst/>
+              </a:rPr>
+              <a:t>Officer</a:t>
+            </a:r>
+            <a:r>
+              <a:rPr lang="sl-SI" sz="2400" i="1" dirty="0">
+                <a:effectLst/>
+              </a:rPr>
+              <a:t>: New </a:t>
+            </a:r>
+            <a:r>
+              <a:rPr lang="sl-SI" sz="2400" i="1" dirty="0" err="1">
+                <a:effectLst/>
+              </a:rPr>
+              <a:t>Directions</a:t>
+            </a:r>
+            <a:r>
+              <a:rPr lang="sl-SI" sz="2400" i="1" dirty="0">
+                <a:effectLst/>
+              </a:rPr>
+              <a:t> </a:t>
+            </a:r>
+            <a:r>
+              <a:rPr lang="sl-SI" sz="2400" i="1" dirty="0" err="1">
+                <a:effectLst/>
+              </a:rPr>
+              <a:t>for</a:t>
+            </a:r>
+            <a:r>
+              <a:rPr lang="sl-SI" sz="2400" i="1" dirty="0">
+                <a:effectLst/>
+              </a:rPr>
+              <a:t> </a:t>
+            </a:r>
+            <a:r>
+              <a:rPr lang="sl-SI" sz="2400" i="1" dirty="0" err="1">
+                <a:effectLst/>
+              </a:rPr>
+              <a:t>Higher</a:t>
+            </a:r>
+            <a:r>
+              <a:rPr lang="sl-SI" sz="2400" i="1" dirty="0">
+                <a:effectLst/>
+              </a:rPr>
+              <a:t> </a:t>
+            </a:r>
+            <a:r>
+              <a:rPr lang="sl-SI" sz="2400" i="1" dirty="0" err="1">
+                <a:effectLst/>
+              </a:rPr>
+              <a:t>Education</a:t>
+            </a:r>
+            <a:r>
+              <a:rPr lang="sl-SI" sz="2400" i="1" dirty="0">
+                <a:effectLst/>
+              </a:rPr>
+              <a:t> </a:t>
+            </a:r>
+            <a:r>
+              <a:rPr lang="sl-SI" sz="2400" dirty="0">
+                <a:effectLst/>
+              </a:rPr>
+              <a:t>, </a:t>
+            </a:r>
+            <a:r>
+              <a:rPr lang="sl-SI" sz="2400" dirty="0" err="1">
+                <a:effectLst/>
+              </a:rPr>
+              <a:t>Number</a:t>
+            </a:r>
+            <a:r>
+              <a:rPr lang="sl-SI" sz="2400" dirty="0">
+                <a:effectLst/>
+              </a:rPr>
+              <a:t> 107, 99, 51.</a:t>
+            </a:r>
+          </a:p>
+          <a:p>
+            <a:r>
+              <a:rPr lang="sl-SI" sz="2400" dirty="0">
+                <a:effectLst/>
+              </a:rPr>
+              <a:t>  </a:t>
+            </a:r>
+            <a:r>
+              <a:rPr lang="sl-SI" sz="2400" dirty="0" err="1">
+                <a:effectLst/>
+              </a:rPr>
+              <a:t>Wikipedia</a:t>
+            </a:r>
+            <a:r>
+              <a:rPr lang="sl-SI" sz="2400" dirty="0">
+                <a:effectLst/>
+              </a:rPr>
+              <a:t>: </a:t>
+            </a:r>
+            <a:r>
+              <a:rPr lang="sl-SI" sz="2400" i="1" dirty="0" err="1">
+                <a:effectLst/>
+              </a:rPr>
+              <a:t>The</a:t>
+            </a:r>
+            <a:r>
+              <a:rPr lang="sl-SI" sz="2400" i="1" dirty="0">
+                <a:effectLst/>
+              </a:rPr>
+              <a:t> </a:t>
+            </a:r>
+            <a:r>
+              <a:rPr lang="sl-SI" sz="2400" i="1" dirty="0" err="1">
+                <a:effectLst/>
+              </a:rPr>
+              <a:t>Free</a:t>
+            </a:r>
+            <a:r>
+              <a:rPr lang="sl-SI" sz="2400" i="1" dirty="0">
+                <a:effectLst/>
+              </a:rPr>
+              <a:t> </a:t>
+            </a:r>
+            <a:r>
+              <a:rPr lang="sl-SI" sz="2400" i="1" dirty="0" err="1">
+                <a:effectLst/>
+              </a:rPr>
+              <a:t>Encyclopedia</a:t>
+            </a:r>
+            <a:r>
+              <a:rPr lang="sl-SI" sz="2400" i="1" dirty="0">
+                <a:effectLst/>
+              </a:rPr>
+              <a:t>. List </a:t>
+            </a:r>
+            <a:r>
+              <a:rPr lang="sl-SI" sz="2400" i="1" dirty="0" err="1">
+                <a:effectLst/>
+              </a:rPr>
+              <a:t>of</a:t>
+            </a:r>
+            <a:r>
+              <a:rPr lang="sl-SI" sz="2400" i="1" dirty="0">
+                <a:effectLst/>
+              </a:rPr>
+              <a:t> </a:t>
+            </a:r>
+            <a:r>
+              <a:rPr lang="sl-SI" sz="2400" i="1" dirty="0" err="1">
+                <a:effectLst/>
+              </a:rPr>
+              <a:t>colleges</a:t>
+            </a:r>
+            <a:r>
+              <a:rPr lang="sl-SI" sz="2400" i="1" dirty="0">
+                <a:effectLst/>
+              </a:rPr>
+              <a:t> </a:t>
+            </a:r>
+            <a:r>
+              <a:rPr lang="sl-SI" sz="2400" i="1" dirty="0" err="1">
+                <a:effectLst/>
+              </a:rPr>
+              <a:t>and</a:t>
+            </a:r>
+            <a:r>
+              <a:rPr lang="sl-SI" sz="2400" i="1" dirty="0">
+                <a:effectLst/>
+              </a:rPr>
+              <a:t> </a:t>
+            </a:r>
+            <a:r>
+              <a:rPr lang="sl-SI" sz="2400" i="1" dirty="0" err="1">
+                <a:effectLst/>
+              </a:rPr>
+              <a:t>universities</a:t>
+            </a:r>
+            <a:r>
+              <a:rPr lang="sl-SI" sz="2400" i="1" dirty="0">
+                <a:effectLst/>
+              </a:rPr>
+              <a:t> in </a:t>
+            </a:r>
+            <a:r>
+              <a:rPr lang="sl-SI" sz="2400" i="1" dirty="0" err="1">
+                <a:effectLst/>
+              </a:rPr>
+              <a:t>the</a:t>
+            </a:r>
+            <a:r>
+              <a:rPr lang="sl-SI" sz="2400" i="1" dirty="0">
+                <a:effectLst/>
+              </a:rPr>
+              <a:t> </a:t>
+            </a:r>
+            <a:r>
+              <a:rPr lang="sl-SI" sz="2400" i="1" dirty="0" err="1">
+                <a:effectLst/>
+              </a:rPr>
+              <a:t>United</a:t>
+            </a:r>
+            <a:r>
+              <a:rPr lang="sl-SI" sz="2400" i="1" dirty="0">
+                <a:effectLst/>
+              </a:rPr>
+              <a:t> </a:t>
+            </a:r>
+            <a:r>
+              <a:rPr lang="sl-SI" sz="2400" i="1" dirty="0" err="1">
+                <a:effectLst/>
+              </a:rPr>
+              <a:t>States</a:t>
+            </a:r>
+            <a:r>
+              <a:rPr lang="sl-SI" sz="2400" i="1" dirty="0">
+                <a:effectLst/>
+              </a:rPr>
+              <a:t> </a:t>
+            </a:r>
+            <a:r>
+              <a:rPr lang="sl-SI" sz="2400" i="1" dirty="0" err="1">
+                <a:effectLst/>
+              </a:rPr>
+              <a:t>by</a:t>
+            </a:r>
+            <a:r>
+              <a:rPr lang="sl-SI" sz="2400" i="1" dirty="0">
+                <a:effectLst/>
+              </a:rPr>
+              <a:t> </a:t>
+            </a:r>
+            <a:r>
+              <a:rPr lang="sl-SI" sz="2400" i="1" dirty="0" err="1">
+                <a:effectLst/>
+              </a:rPr>
+              <a:t>endowment</a:t>
+            </a:r>
+            <a:r>
+              <a:rPr lang="sl-SI" sz="2400" i="1" dirty="0">
+                <a:effectLst/>
+              </a:rPr>
+              <a:t> </a:t>
+            </a:r>
+            <a:r>
+              <a:rPr lang="sl-SI" sz="2400" dirty="0">
+                <a:effectLst/>
+              </a:rPr>
+              <a:t>, Pridobljeno 12. maja 2020 iz  https://en.wikipedia.org/wiki/List_of_colleges_and_universities_in_the_United_States_by_endowment </a:t>
+            </a:r>
+            <a:r>
               <a:rPr lang="sl-SI" dirty="0">
                 <a:effectLst/>
               </a:rPr>
-              <a:t>  </a:t>
-            </a:r>
-            <a:r>
-              <a:rPr lang="sl-SI" dirty="0" err="1">
-                <a:effectLst/>
-              </a:rPr>
-              <a:t>Investopedia</a:t>
-            </a:r>
-            <a:r>
-              <a:rPr lang="sl-SI" dirty="0">
-                <a:effectLst/>
-              </a:rPr>
-              <a:t>. </a:t>
-            </a:r>
-            <a:r>
-              <a:rPr lang="sl-SI" i="1" dirty="0">
-                <a:effectLst/>
-              </a:rPr>
-              <a:t>How do </a:t>
-            </a:r>
-            <a:r>
-              <a:rPr lang="sl-SI" i="1" dirty="0" err="1">
-                <a:effectLst/>
-              </a:rPr>
-              <a:t>university</a:t>
-            </a:r>
-            <a:r>
-              <a:rPr lang="sl-SI" i="1" dirty="0">
-                <a:effectLst/>
-              </a:rPr>
-              <a:t> </a:t>
-            </a:r>
-            <a:r>
-              <a:rPr lang="sl-SI" i="1" dirty="0" err="1">
-                <a:effectLst/>
-              </a:rPr>
-              <a:t>endowments</a:t>
-            </a:r>
-            <a:r>
-              <a:rPr lang="sl-SI" i="1" dirty="0">
-                <a:effectLst/>
-              </a:rPr>
-              <a:t> </a:t>
-            </a:r>
-            <a:r>
-              <a:rPr lang="sl-SI" i="1" dirty="0" err="1">
-                <a:effectLst/>
-              </a:rPr>
-              <a:t>work</a:t>
-            </a:r>
-            <a:r>
-              <a:rPr lang="sl-SI" i="1" dirty="0">
-                <a:effectLst/>
-              </a:rPr>
-              <a:t>?  </a:t>
-            </a:r>
-            <a:r>
-              <a:rPr lang="sl-SI" dirty="0">
-                <a:effectLst/>
-              </a:rPr>
-              <a:t>Pridobljeno 29. aprila 2020 iz  https://www.investopedia.com/ask/answers/how-do-university-endowments-work/ .</a:t>
-            </a:r>
-          </a:p>
-          <a:p>
-            <a:r>
-              <a:rPr lang="sl-SI" dirty="0">
-                <a:effectLst/>
-              </a:rPr>
-              <a:t>  </a:t>
-            </a:r>
-            <a:r>
-              <a:rPr lang="sl-SI" dirty="0" err="1">
-                <a:effectLst/>
-              </a:rPr>
-              <a:t>Investopedia</a:t>
-            </a:r>
-            <a:r>
-              <a:rPr lang="sl-SI" dirty="0">
-                <a:effectLst/>
-              </a:rPr>
-              <a:t>. </a:t>
-            </a:r>
-            <a:r>
-              <a:rPr lang="sl-SI" i="1" dirty="0">
-                <a:effectLst/>
-              </a:rPr>
-              <a:t>How To </a:t>
-            </a:r>
-            <a:r>
-              <a:rPr lang="sl-SI" i="1" dirty="0" err="1">
-                <a:effectLst/>
-              </a:rPr>
-              <a:t>Invest</a:t>
-            </a:r>
-            <a:r>
-              <a:rPr lang="sl-SI" i="1" dirty="0">
-                <a:effectLst/>
-              </a:rPr>
-              <a:t> Like An </a:t>
-            </a:r>
-            <a:r>
-              <a:rPr lang="sl-SI" i="1" dirty="0" err="1">
-                <a:effectLst/>
-              </a:rPr>
-              <a:t>Endowment</a:t>
-            </a:r>
-            <a:r>
-              <a:rPr lang="sl-SI" i="1" dirty="0">
-                <a:effectLst/>
-              </a:rPr>
-              <a:t>? </a:t>
-            </a:r>
-            <a:r>
-              <a:rPr lang="sl-SI" dirty="0">
-                <a:effectLst/>
-              </a:rPr>
-              <a:t>, Pridobljeno 13. maja 2020 iz  https://www.investopedia.com/articles/financial-theory/09/ivy-league-endowments-money-management.asp .</a:t>
-            </a:r>
-          </a:p>
-          <a:p>
-            <a:r>
-              <a:rPr lang="sl-SI" dirty="0">
-                <a:effectLst/>
-              </a:rPr>
-              <a:t>  Sherlock, M. F., </a:t>
-            </a:r>
-            <a:r>
-              <a:rPr lang="sl-SI" dirty="0" err="1">
-                <a:effectLst/>
-              </a:rPr>
-              <a:t>Crandall-Hollick</a:t>
-            </a:r>
-            <a:r>
-              <a:rPr lang="sl-SI" dirty="0">
-                <a:effectLst/>
-              </a:rPr>
-              <a:t>, M. L., </a:t>
-            </a:r>
-            <a:r>
-              <a:rPr lang="sl-SI" dirty="0" err="1">
-                <a:effectLst/>
-              </a:rPr>
-              <a:t>Gravelle</a:t>
-            </a:r>
-            <a:r>
-              <a:rPr lang="sl-SI" dirty="0">
-                <a:effectLst/>
-              </a:rPr>
-              <a:t>, J., &amp; </a:t>
-            </a:r>
-            <a:r>
-              <a:rPr lang="sl-SI" dirty="0" err="1">
-                <a:effectLst/>
-              </a:rPr>
-              <a:t>Stupak</a:t>
-            </a:r>
-            <a:r>
-              <a:rPr lang="sl-SI" dirty="0">
-                <a:effectLst/>
-              </a:rPr>
-              <a:t>, J. M. (2015</a:t>
-            </a:r>
-            <a:r>
-              <a:rPr lang="sl-SI" i="1" dirty="0">
-                <a:effectLst/>
-              </a:rPr>
-              <a:t>).  </a:t>
-            </a:r>
-            <a:r>
-              <a:rPr lang="sl-SI" i="1" dirty="0" err="1">
-                <a:effectLst/>
-              </a:rPr>
-              <a:t>College</a:t>
-            </a:r>
-            <a:r>
-              <a:rPr lang="sl-SI" i="1" dirty="0">
-                <a:effectLst/>
-              </a:rPr>
-              <a:t> </a:t>
-            </a:r>
-            <a:r>
-              <a:rPr lang="sl-SI" i="1" dirty="0" err="1">
-                <a:effectLst/>
-              </a:rPr>
-              <a:t>and</a:t>
-            </a:r>
-            <a:r>
-              <a:rPr lang="sl-SI" i="1" dirty="0">
-                <a:effectLst/>
-              </a:rPr>
-              <a:t> </a:t>
-            </a:r>
-            <a:r>
-              <a:rPr lang="sl-SI" i="1" dirty="0" err="1">
-                <a:effectLst/>
-              </a:rPr>
-              <a:t>university</a:t>
-            </a:r>
-            <a:r>
-              <a:rPr lang="sl-SI" i="1" dirty="0">
-                <a:effectLst/>
-              </a:rPr>
-              <a:t> </a:t>
-            </a:r>
-            <a:r>
-              <a:rPr lang="sl-SI" i="1" dirty="0" err="1">
-                <a:effectLst/>
-              </a:rPr>
-              <a:t>endowments</a:t>
-            </a:r>
-            <a:r>
-              <a:rPr lang="sl-SI" i="1" dirty="0">
-                <a:effectLst/>
-              </a:rPr>
-              <a:t>: </a:t>
-            </a:r>
-            <a:r>
-              <a:rPr lang="sl-SI" i="1" dirty="0" err="1">
-                <a:effectLst/>
-              </a:rPr>
-              <a:t>Overview</a:t>
-            </a:r>
-            <a:r>
-              <a:rPr lang="sl-SI" i="1" dirty="0">
-                <a:effectLst/>
-              </a:rPr>
-              <a:t> </a:t>
-            </a:r>
-            <a:r>
-              <a:rPr lang="sl-SI" i="1" dirty="0" err="1">
-                <a:effectLst/>
-              </a:rPr>
-              <a:t>and</a:t>
-            </a:r>
-            <a:r>
-              <a:rPr lang="sl-SI" i="1" dirty="0">
-                <a:effectLst/>
-              </a:rPr>
-              <a:t> </a:t>
-            </a:r>
-            <a:r>
-              <a:rPr lang="sl-SI" i="1" dirty="0" err="1">
-                <a:effectLst/>
-              </a:rPr>
-              <a:t>tax</a:t>
-            </a:r>
-            <a:r>
-              <a:rPr lang="sl-SI" i="1" dirty="0">
-                <a:effectLst/>
-              </a:rPr>
-              <a:t> </a:t>
-            </a:r>
-            <a:r>
-              <a:rPr lang="sl-SI" i="1" dirty="0" err="1">
-                <a:effectLst/>
-              </a:rPr>
-              <a:t>policy</a:t>
-            </a:r>
-            <a:r>
-              <a:rPr lang="sl-SI" i="1" dirty="0">
-                <a:effectLst/>
-              </a:rPr>
-              <a:t> </a:t>
-            </a:r>
-            <a:r>
-              <a:rPr lang="sl-SI" i="1" dirty="0" err="1">
-                <a:effectLst/>
-              </a:rPr>
-              <a:t>options</a:t>
-            </a:r>
-            <a:r>
-              <a:rPr lang="sl-SI" dirty="0">
-                <a:effectLst/>
-              </a:rPr>
-              <a:t>. Washington, DC: </a:t>
-            </a:r>
-            <a:r>
-              <a:rPr lang="sl-SI" dirty="0" err="1">
-                <a:effectLst/>
-              </a:rPr>
-              <a:t>Congressional</a:t>
-            </a:r>
-            <a:r>
-              <a:rPr lang="sl-SI" dirty="0">
-                <a:effectLst/>
-              </a:rPr>
-              <a:t> </a:t>
-            </a:r>
-            <a:r>
-              <a:rPr lang="sl-SI" dirty="0" err="1">
-                <a:effectLst/>
-              </a:rPr>
-              <a:t>Research</a:t>
-            </a:r>
-            <a:r>
-              <a:rPr lang="sl-SI" dirty="0">
-                <a:effectLst/>
-              </a:rPr>
-              <a:t> </a:t>
-            </a:r>
-            <a:r>
-              <a:rPr lang="sl-SI" dirty="0" err="1">
-                <a:effectLst/>
-              </a:rPr>
-              <a:t>Service</a:t>
-            </a:r>
-            <a:r>
-              <a:rPr lang="sl-SI" dirty="0">
-                <a:effectLst/>
-              </a:rPr>
-              <a:t> .</a:t>
-            </a:r>
-          </a:p>
-          <a:p>
-            <a:r>
-              <a:rPr lang="sl-SI" dirty="0">
-                <a:effectLst/>
-              </a:rPr>
-              <a:t>  </a:t>
-            </a:r>
-            <a:r>
-              <a:rPr lang="sl-SI" dirty="0" err="1">
-                <a:effectLst/>
-              </a:rPr>
-              <a:t>Spitz</a:t>
-            </a:r>
-            <a:r>
-              <a:rPr lang="sl-SI" dirty="0">
-                <a:effectLst/>
-              </a:rPr>
-              <a:t>, W. T. (2010). </a:t>
-            </a:r>
-            <a:r>
-              <a:rPr lang="sl-SI" i="1" dirty="0" err="1">
-                <a:effectLst/>
-              </a:rPr>
-              <a:t>Investment</a:t>
-            </a:r>
-            <a:r>
-              <a:rPr lang="sl-SI" i="1" dirty="0">
-                <a:effectLst/>
-              </a:rPr>
-              <a:t> </a:t>
-            </a:r>
-            <a:r>
-              <a:rPr lang="sl-SI" i="1" dirty="0" err="1">
-                <a:effectLst/>
-              </a:rPr>
-              <a:t>policies</a:t>
-            </a:r>
-            <a:r>
-              <a:rPr lang="sl-SI" i="1" dirty="0">
-                <a:effectLst/>
-              </a:rPr>
-              <a:t> </a:t>
-            </a:r>
-            <a:r>
-              <a:rPr lang="sl-SI" i="1" dirty="0" err="1">
-                <a:effectLst/>
-              </a:rPr>
-              <a:t>for</a:t>
-            </a:r>
-            <a:r>
-              <a:rPr lang="sl-SI" i="1" dirty="0">
-                <a:effectLst/>
-              </a:rPr>
-              <a:t> </a:t>
-            </a:r>
-            <a:r>
-              <a:rPr lang="sl-SI" i="1" dirty="0" err="1">
-                <a:effectLst/>
-              </a:rPr>
-              <a:t>college</a:t>
-            </a:r>
-            <a:r>
-              <a:rPr lang="sl-SI" i="1" dirty="0">
-                <a:effectLst/>
-              </a:rPr>
-              <a:t> </a:t>
-            </a:r>
-            <a:r>
-              <a:rPr lang="sl-SI" i="1" dirty="0" err="1">
-                <a:effectLst/>
-              </a:rPr>
-              <a:t>and</a:t>
-            </a:r>
-            <a:r>
-              <a:rPr lang="sl-SI" i="1" dirty="0">
-                <a:effectLst/>
-              </a:rPr>
-              <a:t> </a:t>
-            </a:r>
-            <a:r>
-              <a:rPr lang="sl-SI" i="1" dirty="0" err="1">
-                <a:effectLst/>
-              </a:rPr>
-              <a:t>university</a:t>
-            </a:r>
-            <a:r>
-              <a:rPr lang="sl-SI" i="1" dirty="0">
-                <a:effectLst/>
-              </a:rPr>
-              <a:t> </a:t>
-            </a:r>
-            <a:r>
-              <a:rPr lang="sl-SI" i="1" dirty="0" err="1">
-                <a:effectLst/>
-              </a:rPr>
-              <a:t>endowments</a:t>
-            </a:r>
-            <a:r>
-              <a:rPr lang="sl-SI" i="1" dirty="0">
-                <a:effectLst/>
-              </a:rPr>
-              <a:t>. </a:t>
-            </a:r>
-            <a:r>
-              <a:rPr lang="sl-SI" i="1" dirty="0" err="1">
-                <a:effectLst/>
-              </a:rPr>
-              <a:t>Roles</a:t>
-            </a:r>
-            <a:r>
-              <a:rPr lang="sl-SI" i="1" dirty="0">
-                <a:effectLst/>
-              </a:rPr>
-              <a:t> </a:t>
-            </a:r>
-            <a:r>
-              <a:rPr lang="sl-SI" i="1" dirty="0" err="1">
-                <a:effectLst/>
-              </a:rPr>
-              <a:t>and</a:t>
-            </a:r>
-            <a:r>
-              <a:rPr lang="sl-SI" i="1" dirty="0">
-                <a:effectLst/>
-              </a:rPr>
-              <a:t> </a:t>
-            </a:r>
-            <a:r>
-              <a:rPr lang="sl-SI" i="1" dirty="0" err="1">
-                <a:effectLst/>
-              </a:rPr>
-              <a:t>Responsibilities</a:t>
-            </a:r>
-            <a:r>
-              <a:rPr lang="sl-SI" i="1" dirty="0">
-                <a:effectLst/>
-              </a:rPr>
-              <a:t> </a:t>
-            </a:r>
-            <a:r>
-              <a:rPr lang="sl-SI" i="1" dirty="0" err="1">
-                <a:effectLst/>
-              </a:rPr>
-              <a:t>of</a:t>
-            </a:r>
-            <a:r>
-              <a:rPr lang="sl-SI" i="1" dirty="0">
-                <a:effectLst/>
-              </a:rPr>
-              <a:t> </a:t>
-            </a:r>
-            <a:r>
-              <a:rPr lang="sl-SI" i="1" dirty="0" err="1">
-                <a:effectLst/>
-              </a:rPr>
-              <a:t>the</a:t>
-            </a:r>
-            <a:r>
-              <a:rPr lang="sl-SI" i="1" dirty="0">
-                <a:effectLst/>
-              </a:rPr>
-              <a:t> </a:t>
-            </a:r>
-            <a:r>
-              <a:rPr lang="sl-SI" i="1" dirty="0" err="1">
-                <a:effectLst/>
-              </a:rPr>
-              <a:t>Chief</a:t>
-            </a:r>
-            <a:r>
-              <a:rPr lang="sl-SI" i="1" dirty="0">
-                <a:effectLst/>
-              </a:rPr>
-              <a:t> </a:t>
-            </a:r>
-            <a:r>
-              <a:rPr lang="sl-SI" i="1" dirty="0" err="1">
-                <a:effectLst/>
-              </a:rPr>
-              <a:t>Financial</a:t>
-            </a:r>
-            <a:r>
-              <a:rPr lang="sl-SI" i="1" dirty="0">
-                <a:effectLst/>
-              </a:rPr>
-              <a:t> </a:t>
-            </a:r>
-            <a:r>
-              <a:rPr lang="sl-SI" i="1" dirty="0" err="1">
-                <a:effectLst/>
-              </a:rPr>
-              <a:t>Officer</a:t>
-            </a:r>
-            <a:r>
-              <a:rPr lang="sl-SI" i="1" dirty="0">
-                <a:effectLst/>
-              </a:rPr>
-              <a:t>: New </a:t>
-            </a:r>
-            <a:r>
-              <a:rPr lang="sl-SI" i="1" dirty="0" err="1">
-                <a:effectLst/>
-              </a:rPr>
-              <a:t>Directions</a:t>
-            </a:r>
-            <a:r>
-              <a:rPr lang="sl-SI" i="1" dirty="0">
-                <a:effectLst/>
-              </a:rPr>
-              <a:t> </a:t>
-            </a:r>
-            <a:r>
-              <a:rPr lang="sl-SI" i="1" dirty="0" err="1">
-                <a:effectLst/>
-              </a:rPr>
-              <a:t>for</a:t>
-            </a:r>
-            <a:r>
-              <a:rPr lang="sl-SI" i="1" dirty="0">
-                <a:effectLst/>
-              </a:rPr>
-              <a:t> </a:t>
-            </a:r>
-            <a:r>
-              <a:rPr lang="sl-SI" i="1" dirty="0" err="1">
-                <a:effectLst/>
-              </a:rPr>
-              <a:t>Higher</a:t>
-            </a:r>
-            <a:r>
-              <a:rPr lang="sl-SI" i="1" dirty="0">
-                <a:effectLst/>
-              </a:rPr>
-              <a:t> </a:t>
-            </a:r>
-            <a:r>
-              <a:rPr lang="sl-SI" i="1" dirty="0" err="1">
-                <a:effectLst/>
-              </a:rPr>
-              <a:t>Education</a:t>
-            </a:r>
-            <a:r>
-              <a:rPr lang="sl-SI" i="1" dirty="0">
-                <a:effectLst/>
-              </a:rPr>
-              <a:t> </a:t>
-            </a:r>
-            <a:r>
-              <a:rPr lang="sl-SI" dirty="0">
-                <a:effectLst/>
-              </a:rPr>
-              <a:t>, </a:t>
-            </a:r>
-            <a:r>
-              <a:rPr lang="sl-SI" dirty="0" err="1">
-                <a:effectLst/>
-              </a:rPr>
-              <a:t>Number</a:t>
-            </a:r>
-            <a:r>
-              <a:rPr lang="sl-SI" dirty="0">
-                <a:effectLst/>
-              </a:rPr>
-              <a:t> 107, 99, 51.</a:t>
-            </a:r>
-          </a:p>
-          <a:p>
-            <a:r>
-              <a:rPr lang="sl-SI" dirty="0">
-                <a:effectLst/>
-              </a:rPr>
-              <a:t>  </a:t>
-            </a:r>
-            <a:r>
-              <a:rPr lang="sl-SI" dirty="0" err="1">
-                <a:effectLst/>
-              </a:rPr>
-              <a:t>Wikipedia</a:t>
-            </a:r>
-            <a:r>
-              <a:rPr lang="sl-SI" dirty="0">
-                <a:effectLst/>
-              </a:rPr>
-              <a:t>: </a:t>
-            </a:r>
-            <a:r>
-              <a:rPr lang="sl-SI" i="1" dirty="0" err="1">
-                <a:effectLst/>
-              </a:rPr>
-              <a:t>The</a:t>
-            </a:r>
-            <a:r>
-              <a:rPr lang="sl-SI" i="1" dirty="0">
-                <a:effectLst/>
-              </a:rPr>
-              <a:t> </a:t>
-            </a:r>
-            <a:r>
-              <a:rPr lang="sl-SI" i="1" dirty="0" err="1">
-                <a:effectLst/>
-              </a:rPr>
-              <a:t>Free</a:t>
-            </a:r>
-            <a:r>
-              <a:rPr lang="sl-SI" i="1" dirty="0">
-                <a:effectLst/>
-              </a:rPr>
-              <a:t> </a:t>
-            </a:r>
-            <a:r>
-              <a:rPr lang="sl-SI" i="1" dirty="0" err="1">
-                <a:effectLst/>
-              </a:rPr>
-              <a:t>Encyclopedia</a:t>
-            </a:r>
-            <a:r>
-              <a:rPr lang="sl-SI" i="1" dirty="0">
-                <a:effectLst/>
-              </a:rPr>
-              <a:t>. List </a:t>
-            </a:r>
-            <a:r>
-              <a:rPr lang="sl-SI" i="1" dirty="0" err="1">
-                <a:effectLst/>
-              </a:rPr>
-              <a:t>of</a:t>
-            </a:r>
-            <a:r>
-              <a:rPr lang="sl-SI" i="1" dirty="0">
-                <a:effectLst/>
-              </a:rPr>
-              <a:t> </a:t>
-            </a:r>
-            <a:r>
-              <a:rPr lang="sl-SI" i="1" dirty="0" err="1">
-                <a:effectLst/>
-              </a:rPr>
-              <a:t>colleges</a:t>
-            </a:r>
-            <a:r>
-              <a:rPr lang="sl-SI" i="1" dirty="0">
-                <a:effectLst/>
-              </a:rPr>
-              <a:t> </a:t>
-            </a:r>
-            <a:r>
-              <a:rPr lang="sl-SI" i="1" dirty="0" err="1">
-                <a:effectLst/>
-              </a:rPr>
-              <a:t>and</a:t>
-            </a:r>
-            <a:r>
-              <a:rPr lang="sl-SI" i="1" dirty="0">
-                <a:effectLst/>
-              </a:rPr>
-              <a:t> </a:t>
-            </a:r>
-            <a:r>
-              <a:rPr lang="sl-SI" i="1" dirty="0" err="1">
-                <a:effectLst/>
-              </a:rPr>
-              <a:t>universities</a:t>
-            </a:r>
-            <a:r>
-              <a:rPr lang="sl-SI" i="1" dirty="0">
-                <a:effectLst/>
-              </a:rPr>
-              <a:t> in </a:t>
-            </a:r>
-            <a:r>
-              <a:rPr lang="sl-SI" i="1" dirty="0" err="1">
-                <a:effectLst/>
-              </a:rPr>
-              <a:t>the</a:t>
-            </a:r>
-            <a:r>
-              <a:rPr lang="sl-SI" i="1" dirty="0">
-                <a:effectLst/>
-              </a:rPr>
-              <a:t> </a:t>
-            </a:r>
-            <a:r>
-              <a:rPr lang="sl-SI" i="1" dirty="0" err="1">
-                <a:effectLst/>
-              </a:rPr>
-              <a:t>United</a:t>
-            </a:r>
-            <a:r>
-              <a:rPr lang="sl-SI" i="1" dirty="0">
-                <a:effectLst/>
-              </a:rPr>
-              <a:t> </a:t>
-            </a:r>
-            <a:r>
-              <a:rPr lang="sl-SI" i="1" dirty="0" err="1">
-                <a:effectLst/>
-              </a:rPr>
-              <a:t>States</a:t>
-            </a:r>
-            <a:r>
-              <a:rPr lang="sl-SI" i="1" dirty="0">
-                <a:effectLst/>
-              </a:rPr>
-              <a:t> </a:t>
-            </a:r>
-            <a:r>
-              <a:rPr lang="sl-SI" i="1" dirty="0" err="1">
-                <a:effectLst/>
-              </a:rPr>
-              <a:t>by</a:t>
-            </a:r>
-            <a:r>
-              <a:rPr lang="sl-SI" i="1" dirty="0">
-                <a:effectLst/>
-              </a:rPr>
-              <a:t> </a:t>
-            </a:r>
-            <a:r>
-              <a:rPr lang="sl-SI" i="1" dirty="0" err="1">
-                <a:effectLst/>
-              </a:rPr>
-              <a:t>endowment</a:t>
-            </a:r>
-            <a:r>
-              <a:rPr lang="sl-SI" i="1" dirty="0">
-                <a:effectLst/>
-              </a:rPr>
-              <a:t> </a:t>
-            </a:r>
-            <a:r>
-              <a:rPr lang="sl-SI" dirty="0">
-                <a:effectLst/>
-              </a:rPr>
-              <a:t>, Pridobljeno 12. maja 2020 iz  https://en.wikipedia.org/wiki/List_of_colleges_and_universities_in_the_United_States_by_endowment .</a:t>
+              <a:t>.</a:t>
             </a:r>
             <a:endParaRPr lang="sl-SI" dirty="0"/>
           </a:p>
@@ -6813,19 +6824,15 @@
               <a:rPr lang="sl-SI" dirty="0">
                 <a:effectLst/>
               </a:rPr>
-              <a:t> Odstotek sredstev, vloženih v stalni dohodek, se je v obdobju 2002 do 2017 zmanjšal s 23 % na 8 %. Medtem ko se je delež sredstev, ki se vlagajo v kapital in v vrednostne papirje </a:t>
-            </a:r>
-            <a:r>
-              <a:rPr lang="sl-SI">
-                <a:effectLst/>
-              </a:rPr>
-              <a:t>s stalnim donosom, </a:t>
-            </a:r>
+              <a:t> Odstotek sredstev, vloženih v vrednostne papirje s stalnimi donosi, se je v obdobju 2002 do 2017 zmanjšal s 23 % na 8 %. </a:t>
+            </a:r>
+          </a:p>
+          <a:p>
             <a:r>
               <a:rPr lang="sl-SI" dirty="0">
                 <a:effectLst/>
               </a:rPr>
-              <a:t>zmanjšal, se je delež sredstev, vloženih v alternativne strategije, povečeval.</a:t>
+              <a:t>Medtem ko se je delež sredstev, ki se vlagajo v kapital in v vrednostne papirje s stalnim donosom, zmanjšal, se je delež sredstev, vloženih v alternativne strategije, povečeval.</a:t>
             </a:r>
           </a:p>
           <a:p>
